--- a/Documentation/הסבת גבולות תתג.pptx
+++ b/Documentation/הסבת גבולות תתג.pptx
@@ -5,10 +5,10 @@
     <p:sldMasterId id="2147483672" r:id="rId1"/>
   </p:sldMasterIdLst>
   <p:notesMasterIdLst>
-    <p:notesMasterId r:id="rId11"/>
+    <p:notesMasterId r:id="rId8"/>
   </p:notesMasterIdLst>
   <p:handoutMasterIdLst>
-    <p:handoutMasterId r:id="rId12"/>
+    <p:handoutMasterId r:id="rId9"/>
   </p:handoutMasterIdLst>
   <p:sldIdLst>
     <p:sldId id="256" r:id="rId2"/>
@@ -16,15 +16,12 @@
     <p:sldId id="391" r:id="rId4"/>
     <p:sldId id="380" r:id="rId5"/>
     <p:sldId id="308" r:id="rId6"/>
-    <p:sldId id="436" r:id="rId7"/>
-    <p:sldId id="439" r:id="rId8"/>
-    <p:sldId id="440" r:id="rId9"/>
-    <p:sldId id="441" r:id="rId10"/>
+    <p:sldId id="441" r:id="rId7"/>
   </p:sldIdLst>
   <p:sldSz cx="12192000" cy="6858000"/>
   <p:notesSz cx="6769100" cy="9906000"/>
   <p:custDataLst>
-    <p:tags r:id="rId13"/>
+    <p:tags r:id="rId10"/>
   </p:custDataLst>
   <p:defaultTextStyle>
     <a:defPPr>
@@ -225,7 +222,7 @@
           <a:p>
             <a:fld id="{447C4C8E-ED1E-46FA-ADE8-FECCD82E74B0}" type="datetimeFigureOut">
               <a:rPr lang="he-IL" smtClean="0"/>
-              <a:t>כ"ט/אייר/תשפ"ב</a:t>
+              <a:t>י"ח/כסלו/תשפ"ג</a:t>
             </a:fld>
             <a:endParaRPr lang="he-IL"/>
           </a:p>
@@ -390,7 +387,7 @@
           <a:p>
             <a:fld id="{642546F1-AC35-4447-B1EB-19BE77B70D9F}" type="datetimeFigureOut">
               <a:rPr lang="he-IL" smtClean="0"/>
-              <a:t>כ"ט/אייר/תשפ"ב</a:t>
+              <a:t>י"ח/כסלו/תשפ"ג</a:t>
             </a:fld>
             <a:endParaRPr lang="he-IL"/>
           </a:p>
@@ -865,7 +862,7 @@
           <a:p>
             <a:fld id="{40DF87CD-148B-4E7A-85EE-645F5406764B}" type="datetimeFigureOut">
               <a:rPr lang="he-IL" smtClean="0"/>
-              <a:t>כ"ט/אייר/תשפ"ב</a:t>
+              <a:t>י"ח/כסלו/תשפ"ג</a:t>
             </a:fld>
             <a:endParaRPr lang="he-IL"/>
           </a:p>
@@ -1036,7 +1033,7 @@
           <a:p>
             <a:fld id="{40DF87CD-148B-4E7A-85EE-645F5406764B}" type="datetimeFigureOut">
               <a:rPr lang="he-IL" smtClean="0"/>
-              <a:t>כ"ט/אייר/תשפ"ב</a:t>
+              <a:t>י"ח/כסלו/תשפ"ג</a:t>
             </a:fld>
             <a:endParaRPr lang="he-IL"/>
           </a:p>
@@ -1217,7 +1214,7 @@
           <a:p>
             <a:fld id="{40DF87CD-148B-4E7A-85EE-645F5406764B}" type="datetimeFigureOut">
               <a:rPr lang="he-IL" smtClean="0"/>
-              <a:t>כ"ט/אייר/תשפ"ב</a:t>
+              <a:t>י"ח/כסלו/תשפ"ג</a:t>
             </a:fld>
             <a:endParaRPr lang="he-IL"/>
           </a:p>
@@ -1388,7 +1385,7 @@
           <a:p>
             <a:fld id="{40DF87CD-148B-4E7A-85EE-645F5406764B}" type="datetimeFigureOut">
               <a:rPr lang="he-IL" smtClean="0"/>
-              <a:t>כ"ט/אייר/תשפ"ב</a:t>
+              <a:t>י"ח/כסלו/תשפ"ג</a:t>
             </a:fld>
             <a:endParaRPr lang="he-IL"/>
           </a:p>
@@ -1635,7 +1632,7 @@
           <a:p>
             <a:fld id="{40DF87CD-148B-4E7A-85EE-645F5406764B}" type="datetimeFigureOut">
               <a:rPr lang="he-IL" smtClean="0"/>
-              <a:t>כ"ט/אייר/תשפ"ב</a:t>
+              <a:t>י"ח/כסלו/תשפ"ג</a:t>
             </a:fld>
             <a:endParaRPr lang="he-IL"/>
           </a:p>
@@ -1868,7 +1865,7 @@
           <a:p>
             <a:fld id="{40DF87CD-148B-4E7A-85EE-645F5406764B}" type="datetimeFigureOut">
               <a:rPr lang="he-IL" smtClean="0"/>
-              <a:t>כ"ט/אייר/תשפ"ב</a:t>
+              <a:t>י"ח/כסלו/תשפ"ג</a:t>
             </a:fld>
             <a:endParaRPr lang="he-IL"/>
           </a:p>
@@ -2236,7 +2233,7 @@
           <a:p>
             <a:fld id="{40DF87CD-148B-4E7A-85EE-645F5406764B}" type="datetimeFigureOut">
               <a:rPr lang="he-IL" smtClean="0"/>
-              <a:t>כ"ט/אייר/תשפ"ב</a:t>
+              <a:t>י"ח/כסלו/תשפ"ג</a:t>
             </a:fld>
             <a:endParaRPr lang="he-IL"/>
           </a:p>
@@ -2355,7 +2352,7 @@
           <a:p>
             <a:fld id="{40DF87CD-148B-4E7A-85EE-645F5406764B}" type="datetimeFigureOut">
               <a:rPr lang="he-IL" smtClean="0"/>
-              <a:t>כ"ט/אייר/תשפ"ב</a:t>
+              <a:t>י"ח/כסלו/תשפ"ג</a:t>
             </a:fld>
             <a:endParaRPr lang="he-IL"/>
           </a:p>
@@ -2451,7 +2448,7 @@
           <a:p>
             <a:fld id="{40DF87CD-148B-4E7A-85EE-645F5406764B}" type="datetimeFigureOut">
               <a:rPr lang="he-IL" smtClean="0"/>
-              <a:t>כ"ט/אייר/תשפ"ב</a:t>
+              <a:t>י"ח/כסלו/תשפ"ג</a:t>
             </a:fld>
             <a:endParaRPr lang="he-IL"/>
           </a:p>
@@ -2729,7 +2726,7 @@
           <a:p>
             <a:fld id="{40DF87CD-148B-4E7A-85EE-645F5406764B}" type="datetimeFigureOut">
               <a:rPr lang="he-IL" smtClean="0"/>
-              <a:t>כ"ט/אייר/תשפ"ב</a:t>
+              <a:t>י"ח/כסלו/תשפ"ג</a:t>
             </a:fld>
             <a:endParaRPr lang="he-IL"/>
           </a:p>
@@ -2987,7 +2984,7 @@
           <a:p>
             <a:fld id="{40DF87CD-148B-4E7A-85EE-645F5406764B}" type="datetimeFigureOut">
               <a:rPr lang="he-IL" smtClean="0"/>
-              <a:t>כ"ט/אייר/תשפ"ב</a:t>
+              <a:t>י"ח/כסלו/תשפ"ג</a:t>
             </a:fld>
             <a:endParaRPr lang="he-IL"/>
           </a:p>
@@ -3201,7 +3198,7 @@
           <a:p>
             <a:fld id="{40DF87CD-148B-4E7A-85EE-645F5406764B}" type="datetimeFigureOut">
               <a:rPr lang="he-IL" smtClean="0"/>
-              <a:t>כ"ט/אייר/תשפ"ב</a:t>
+              <a:t>י"ח/כסלו/תשפ"ג</a:t>
             </a:fld>
             <a:endParaRPr lang="he-IL"/>
           </a:p>
@@ -3665,7 +3662,7 @@
               </a:lnSpc>
             </a:pPr>
             <a:r>
-              <a:rPr lang="he-IL" sz="4000" b="1" dirty="0" err="1" smtClean="0">
+              <a:rPr lang="he-IL" sz="4000" b="1" dirty="0" err="1">
                 <a:solidFill>
                   <a:srgbClr val="002060"/>
                 </a:solidFill>
@@ -3673,18 +3670,13 @@
               <a:t>תשריט</a:t>
             </a:r>
             <a:r>
-              <a:rPr lang="he-IL" sz="4000" b="1" dirty="0" smtClean="0">
+              <a:rPr lang="he-IL" sz="4000" b="1" dirty="0">
                 <a:solidFill>
                   <a:srgbClr val="002060"/>
                 </a:solidFill>
               </a:rPr>
               <a:t> תיעוד גבולות (תת"ג) בשטח מוסדר סכמה חדשה</a:t>
             </a:r>
-            <a:endParaRPr lang="he-IL" sz="4000" b="1" dirty="0">
-              <a:solidFill>
-                <a:srgbClr val="002060"/>
-              </a:solidFill>
-            </a:endParaRPr>
           </a:p>
         </p:txBody>
       </p:sp>
@@ -3729,13 +3721,6 @@
     <a:masterClrMapping/>
   </p:clrMapOvr>
   <p:transition/>
-  <p:timing>
-    <p:tnLst>
-      <p:par>
-        <p:cTn id="1" dur="indefinite" restart="never" nodeType="tmRoot"/>
-      </p:par>
-    </p:tnLst>
-  </p:timing>
 </p:sld>
 </file>
 
@@ -3810,7 +3795,7 @@
           <a:p>
             <a:pPr algn="r"/>
             <a:r>
-              <a:rPr lang="he-IL" sz="3600" dirty="0" smtClean="0">
+              <a:rPr lang="he-IL" sz="3600" dirty="0">
                 <a:solidFill>
                   <a:srgbClr val="002060"/>
                 </a:solidFill>
@@ -3819,13 +3804,6 @@
               </a:rPr>
               <a:t>מבנה טבלת תת"ג בסכמה החדשה</a:t>
             </a:r>
-            <a:endParaRPr lang="he-IL" sz="3600" dirty="0">
-              <a:solidFill>
-                <a:srgbClr val="002060"/>
-              </a:solidFill>
-              <a:latin typeface="Calibri" panose="020F0502020204030204" pitchFamily="34" charset="0"/>
-              <a:cs typeface="Calibri" panose="020F0502020204030204" pitchFamily="34" charset="0"/>
-            </a:endParaRPr>
           </a:p>
         </p:txBody>
       </p:sp>
@@ -3838,7 +3816,7 @@
           <p:nvPr>
             <p:extLst>
               <p:ext uri="{D42A27DB-BD31-4B8C-83A1-F6EECF244321}">
-                <p14:modId xmlns:p14="http://schemas.microsoft.com/office/powerpoint/2010/main" val="1384786850"/>
+                <p14:modId xmlns:p14="http://schemas.microsoft.com/office/powerpoint/2010/main" val="743213270"/>
               </p:ext>
             </p:extLst>
           </p:nvPr>
@@ -3957,13 +3935,13 @@
                         <a:t>כינוי </a:t>
                       </a:r>
                       <a:r>
-                        <a:rPr lang="en-US" sz="2400" b="1" u="none" strike="noStrike" smtClean="0">
+                        <a:rPr lang="en-US" sz="2400" b="1" u="none" strike="noStrike">
                           <a:effectLst/>
                         </a:rPr>
                         <a:t>alias)</a:t>
                       </a:r>
                       <a:r>
-                        <a:rPr lang="he-IL" sz="2400" b="1" u="none" strike="noStrike" smtClean="0">
+                        <a:rPr lang="he-IL" sz="2400" b="1" u="none" strike="noStrike">
                           <a:effectLst/>
                         </a:rPr>
                         <a:t>)</a:t>
@@ -3999,13 +3977,13 @@
                         <a:t>האם קיים </a:t>
                       </a:r>
                       <a:r>
-                        <a:rPr lang="en-US" sz="2400" b="1" u="none" strike="noStrike" smtClean="0">
+                        <a:rPr lang="en-US" sz="2400" b="1" u="none" strike="noStrike">
                           <a:effectLst/>
                         </a:rPr>
                         <a:t>LUT</a:t>
                       </a:r>
                       <a:r>
-                        <a:rPr lang="he-IL" sz="2400" b="1" u="none" strike="noStrike" smtClean="0">
+                        <a:rPr lang="he-IL" sz="2400" b="1" u="none" strike="noStrike">
                           <a:effectLst/>
                         </a:rPr>
                         <a:t> ?</a:t>
@@ -4049,7 +4027,7 @@
                           <a:effectLst/>
                           <a:latin typeface="Arial" panose="020B0604020202020204" pitchFamily="34" charset="0"/>
                         </a:rPr>
-                        <a:t>cpbUniqueId</a:t>
+                        <a:t>CPBUniqueId</a:t>
                       </a:r>
                       <a:endParaRPr lang="en-US" sz="1600" b="0" i="0" u="none" strike="noStrike" dirty="0">
                         <a:solidFill>
@@ -4176,7 +4154,7 @@
                           <a:effectLst/>
                           <a:latin typeface="Arial" panose="020B0604020202020204" pitchFamily="34" charset="0"/>
                         </a:rPr>
-                        <a:t>blockUniqueId</a:t>
+                        <a:t>BlockUniqueId</a:t>
                       </a:r>
                       <a:endParaRPr lang="en-US" sz="1600" b="0" i="0" u="none" strike="noStrike" dirty="0">
                         <a:solidFill>
@@ -4279,15 +4257,22 @@
                     <a:p>
                       <a:pPr algn="ctr" rtl="0" fontAlgn="b"/>
                       <a:r>
-                        <a:rPr lang="en-US" sz="1600" b="0" i="0" u="none" strike="noStrike" dirty="0">
+                        <a:rPr lang="en-US" sz="1600" b="0" i="0" u="none" strike="noStrike" dirty="0" err="1">
                           <a:solidFill>
                             <a:srgbClr val="000000"/>
                           </a:solidFill>
                           <a:effectLst/>
                           <a:latin typeface="Arial" panose="020B0604020202020204" pitchFamily="34" charset="0"/>
                         </a:rPr>
-                        <a:t>processType</a:t>
-                      </a:r>
+                        <a:t>ProcessType</a:t>
+                      </a:r>
+                      <a:endParaRPr lang="en-US" sz="1600" b="0" i="0" u="none" strike="noStrike" dirty="0">
+                        <a:solidFill>
+                          <a:srgbClr val="000000"/>
+                        </a:solidFill>
+                        <a:effectLst/>
+                        <a:latin typeface="Arial" panose="020B0604020202020204" pitchFamily="34" charset="0"/>
+                      </a:endParaRPr>
                     </a:p>
                   </a:txBody>
                   <a:tcPr marL="9525" marR="9525" marT="9525" marB="0" anchor="b">
@@ -4399,15 +4384,22 @@
                     <a:p>
                       <a:pPr algn="ctr" rtl="0" fontAlgn="b"/>
                       <a:r>
-                        <a:rPr lang="en-US" sz="1600" b="0" i="0" u="none" strike="noStrike">
+                        <a:rPr lang="en-US" sz="1600" b="0" i="0" u="none" strike="noStrike" dirty="0" err="1">
                           <a:solidFill>
                             <a:srgbClr val="000000"/>
                           </a:solidFill>
                           <a:effectLst/>
                           <a:latin typeface="Arial" panose="020B0604020202020204" pitchFamily="34" charset="0"/>
                         </a:rPr>
-                        <a:t>mapYear</a:t>
-                      </a:r>
+                        <a:t>MapYear</a:t>
+                      </a:r>
+                      <a:endParaRPr lang="en-US" sz="1600" b="0" i="0" u="none" strike="noStrike" dirty="0">
+                        <a:solidFill>
+                          <a:srgbClr val="000000"/>
+                        </a:solidFill>
+                        <a:effectLst/>
+                        <a:latin typeface="Arial" panose="020B0604020202020204" pitchFamily="34" charset="0"/>
+                      </a:endParaRPr>
                     </a:p>
                   </a:txBody>
                   <a:tcPr marL="9525" marR="9525" marT="9525" marB="0" anchor="b">
@@ -4502,15 +4494,22 @@
                     <a:p>
                       <a:pPr algn="ctr" rtl="0" fontAlgn="b"/>
                       <a:r>
-                        <a:rPr lang="en-US" sz="1600" b="0" i="0" u="none" strike="noStrike">
+                        <a:rPr lang="en-US" sz="1600" b="0" i="0" u="none" strike="noStrike" dirty="0" err="1">
                           <a:solidFill>
                             <a:srgbClr val="000000"/>
                           </a:solidFill>
                           <a:effectLst/>
                           <a:latin typeface="Arial" panose="020B0604020202020204" pitchFamily="34" charset="0"/>
                         </a:rPr>
-                        <a:t>processName</a:t>
-                      </a:r>
+                        <a:t>ProcessName</a:t>
+                      </a:r>
+                      <a:endParaRPr lang="en-US" sz="1600" b="0" i="0" u="none" strike="noStrike" dirty="0">
+                        <a:solidFill>
+                          <a:srgbClr val="000000"/>
+                        </a:solidFill>
+                        <a:effectLst/>
+                        <a:latin typeface="Arial" panose="020B0604020202020204" pitchFamily="34" charset="0"/>
+                      </a:endParaRPr>
                     </a:p>
                   </a:txBody>
                   <a:tcPr marL="9525" marR="9525" marT="9525" marB="0" anchor="b">
@@ -4622,7 +4621,7 @@
                           <a:effectLst/>
                           <a:latin typeface="Arial" panose="020B0604020202020204" pitchFamily="34" charset="0"/>
                         </a:rPr>
-                        <a:t>geodeticNetwork</a:t>
+                        <a:t>GeodeticNetwork</a:t>
                       </a:r>
                       <a:endParaRPr lang="en-US" sz="1600" b="0" i="0" u="none" strike="noStrike" dirty="0">
                         <a:solidFill>
@@ -4732,7 +4731,7 @@
                           <a:effectLst/>
                           <a:latin typeface="Arial" panose="020B0604020202020204" pitchFamily="34" charset="0"/>
                         </a:rPr>
-                        <a:t>status</a:t>
+                        <a:t>Status</a:t>
                       </a:r>
                     </a:p>
                   </a:txBody>
@@ -4835,7 +4834,7 @@
                           <a:effectLst/>
                           <a:latin typeface="Arial" panose="020B0604020202020204" pitchFamily="34" charset="0"/>
                         </a:rPr>
-                        <a:t>planName</a:t>
+                        <a:t>PlanName</a:t>
                       </a:r>
                       <a:endParaRPr lang="en-US" sz="1600" b="0" i="0" u="none" strike="noStrike" dirty="0">
                         <a:solidFill>
@@ -4945,7 +4944,7 @@
                           <a:effectLst/>
                           <a:latin typeface="Arial" panose="020B0604020202020204" pitchFamily="34" charset="0"/>
                         </a:rPr>
-                        <a:t>createDate</a:t>
+                        <a:t>CreateDate</a:t>
                       </a:r>
                       <a:endParaRPr lang="en-US" sz="1600" b="0" i="0" u="none" strike="noStrike" dirty="0">
                         <a:solidFill>
@@ -5055,7 +5054,7 @@
                           <a:effectLst/>
                           <a:latin typeface="Arial" panose="020B0604020202020204" pitchFamily="34" charset="0"/>
                         </a:rPr>
-                        <a:t>appovalDate</a:t>
+                        <a:t>AppovalDate</a:t>
                       </a:r>
                       <a:endParaRPr lang="en-US" sz="1600" b="0" i="0" u="none" strike="noStrike" dirty="0">
                         <a:solidFill>
@@ -5165,7 +5164,7 @@
                           <a:effectLst/>
                           <a:latin typeface="Arial" panose="020B0604020202020204" pitchFamily="34" charset="0"/>
                         </a:rPr>
-                        <a:t>registrationDate</a:t>
+                        <a:t>RegistrationDate</a:t>
                       </a:r>
                       <a:endParaRPr lang="en-US" sz="1600" b="0" i="0" u="none" strike="noStrike" dirty="0">
                         <a:solidFill>
@@ -5268,15 +5267,22 @@
                     <a:p>
                       <a:pPr algn="ctr" rtl="0" fontAlgn="b"/>
                       <a:r>
-                        <a:rPr lang="en-US" sz="1600" b="0" i="0" u="none" strike="noStrike">
+                        <a:rPr lang="en-US" sz="1600" b="0" i="0" u="none" strike="noStrike" dirty="0" err="1">
                           <a:solidFill>
                             <a:srgbClr val="000000"/>
                           </a:solidFill>
                           <a:effectLst/>
                           <a:latin typeface="Arial" panose="020B0604020202020204" pitchFamily="34" charset="0"/>
                         </a:rPr>
-                        <a:t>updateDate</a:t>
-                      </a:r>
+                        <a:t>UpdateDate</a:t>
+                      </a:r>
+                      <a:endParaRPr lang="en-US" sz="1600" b="0" i="0" u="none" strike="noStrike" dirty="0">
+                        <a:solidFill>
+                          <a:srgbClr val="000000"/>
+                        </a:solidFill>
+                        <a:effectLst/>
+                        <a:latin typeface="Arial" panose="020B0604020202020204" pitchFamily="34" charset="0"/>
+                      </a:endParaRPr>
                     </a:p>
                   </a:txBody>
                   <a:tcPr marL="9525" marR="9525" marT="9525" marB="0" anchor="b">
@@ -5378,7 +5384,7 @@
                           <a:effectLst/>
                           <a:latin typeface="Arial" panose="020B0604020202020204" pitchFamily="34" charset="0"/>
                         </a:rPr>
-                        <a:t>surveyorLicsenseId</a:t>
+                        <a:t>SurveyorLicsenseId</a:t>
                       </a:r>
                       <a:endParaRPr lang="en-US" sz="1600" b="0" i="0" u="none" strike="noStrike" dirty="0">
                         <a:solidFill>
@@ -5481,14 +5487,14 @@
                     <a:p>
                       <a:pPr algn="ctr" rtl="0" fontAlgn="b"/>
                       <a:r>
-                        <a:rPr lang="en-US" sz="1600" b="0" i="0" u="none" strike="noStrike" dirty="0" err="1" smtClean="0">
+                        <a:rPr lang="en-US" sz="1600" b="0" i="0" u="none" strike="noStrike" dirty="0" err="1">
                           <a:solidFill>
                             <a:srgbClr val="000000"/>
                           </a:solidFill>
                           <a:effectLst/>
                           <a:latin typeface="Arial" panose="020B0604020202020204" pitchFamily="34" charset="0"/>
                         </a:rPr>
-                        <a:t>dataSource</a:t>
+                        <a:t>DataSource</a:t>
                       </a:r>
                       <a:endParaRPr lang="en-US" sz="1600" b="0" i="0" u="none" strike="noStrike" dirty="0">
                         <a:solidFill>
@@ -5512,7 +5518,7 @@
                     <a:p>
                       <a:pPr algn="ctr" rtl="0" fontAlgn="b"/>
                       <a:r>
-                        <a:rPr lang="en-US" sz="1600" b="0" i="0" u="none" strike="noStrike" dirty="0" smtClean="0">
+                        <a:rPr lang="en-US" sz="1600" b="0" i="0" u="none" strike="noStrike" dirty="0">
                           <a:solidFill>
                             <a:srgbClr val="000000"/>
                           </a:solidFill>
@@ -5521,13 +5527,6 @@
                         </a:rPr>
                         <a:t>integer</a:t>
                       </a:r>
-                      <a:endParaRPr lang="en-US" sz="1600" b="0" i="0" u="none" strike="noStrike" dirty="0">
-                        <a:solidFill>
-                          <a:srgbClr val="000000"/>
-                        </a:solidFill>
-                        <a:effectLst/>
-                        <a:latin typeface="Arial" panose="020B0604020202020204" pitchFamily="34" charset="0"/>
-                      </a:endParaRPr>
                     </a:p>
                   </a:txBody>
                   <a:tcPr marL="9525" marR="9525" marT="9525" marB="0" anchor="b">
@@ -5543,7 +5542,7 @@
                     <a:p>
                       <a:pPr algn="ctr" rtl="1" fontAlgn="b"/>
                       <a:r>
-                        <a:rPr lang="he-IL" sz="1600" b="0" i="0" u="none" strike="noStrike" dirty="0" smtClean="0">
+                        <a:rPr lang="he-IL" sz="1600" b="0" i="0" u="none" strike="noStrike" dirty="0">
                           <a:solidFill>
                             <a:srgbClr val="000000"/>
                           </a:solidFill>
@@ -5553,7 +5552,7 @@
                         <a:t>מקור</a:t>
                       </a:r>
                       <a:r>
-                        <a:rPr lang="he-IL" sz="1600" b="0" i="0" u="none" strike="noStrike" baseline="0" dirty="0" smtClean="0">
+                        <a:rPr lang="he-IL" sz="1600" b="0" i="0" u="none" strike="noStrike" baseline="0" dirty="0">
                           <a:solidFill>
                             <a:srgbClr val="000000"/>
                           </a:solidFill>
@@ -5584,7 +5583,7 @@
                     <a:p>
                       <a:pPr algn="ctr" rtl="1" fontAlgn="b"/>
                       <a:r>
-                        <a:rPr lang="he-IL" sz="1600" b="0" i="0" u="none" strike="noStrike" dirty="0" smtClean="0">
+                        <a:rPr lang="he-IL" sz="1600" b="0" i="0" u="none" strike="noStrike" dirty="0">
                           <a:solidFill>
                             <a:srgbClr val="000000"/>
                           </a:solidFill>
@@ -5593,13 +5592,6 @@
                         </a:rPr>
                         <a:t>כן</a:t>
                       </a:r>
-                      <a:endParaRPr lang="he-IL" sz="1600" b="0" i="0" u="none" strike="noStrike" dirty="0">
-                        <a:solidFill>
-                          <a:srgbClr val="000000"/>
-                        </a:solidFill>
-                        <a:effectLst/>
-                        <a:latin typeface="Arial" panose="020B0604020202020204" pitchFamily="34" charset="0"/>
-                      </a:endParaRPr>
                     </a:p>
                   </a:txBody>
                   <a:tcPr marL="9525" marR="9525" marT="9525" marB="0" anchor="b">
@@ -5629,13 +5621,6 @@
     <a:masterClrMapping/>
   </p:clrMapOvr>
   <p:transition/>
-  <p:timing>
-    <p:tnLst>
-      <p:par>
-        <p:cTn id="1" dur="indefinite" restart="never" nodeType="tmRoot"/>
-      </p:par>
-    </p:tnLst>
-  </p:timing>
 </p:sld>
 </file>
 
@@ -5709,7 +5694,7 @@
           </a:lstStyle>
           <a:p>
             <a:r>
-              <a:rPr lang="he-IL" sz="3600" smtClean="0">
+              <a:rPr lang="he-IL" sz="3600">
                 <a:solidFill>
                   <a:srgbClr val="002060"/>
                 </a:solidFill>
@@ -5719,7 +5704,7 @@
               <a:t>הגדרות בסכמה </a:t>
             </a:r>
             <a:r>
-              <a:rPr lang="he-IL" sz="3600" dirty="0" smtClean="0">
+              <a:rPr lang="he-IL" sz="3600" dirty="0">
                 <a:solidFill>
                   <a:srgbClr val="002060"/>
                 </a:solidFill>
@@ -5729,7 +5714,7 @@
               <a:t>החדשה </a:t>
             </a:r>
             <a:r>
-              <a:rPr lang="x-none" sz="3600" dirty="0" smtClean="0">
+              <a:rPr lang="x-none" sz="3600" dirty="0">
                 <a:solidFill>
                   <a:srgbClr val="002060"/>
                 </a:solidFill>
@@ -5757,7 +5742,7 @@
         <p:spPr>
           <a:xfrm>
             <a:off x="9151058" y="1283242"/>
-            <a:ext cx="2021387" cy="400110"/>
+            <a:ext cx="2065822" cy="400110"/>
           </a:xfrm>
           <a:prstGeom prst="rect">
             <a:avLst/>
@@ -5771,7 +5756,7 @@
           <a:p>
             <a:r>
               <a:rPr lang="en-US" sz="2000" b="1" dirty="0" err="1"/>
-              <a:t>geodeticNetwork</a:t>
+              <a:t>GeodeticNetwork</a:t>
             </a:r>
             <a:endParaRPr lang="en-US" sz="2000" b="1" dirty="0"/>
           </a:p>
@@ -5786,7 +5771,7 @@
         <p:spPr>
           <a:xfrm>
             <a:off x="2018065" y="1349802"/>
-            <a:ext cx="1499193" cy="400110"/>
+            <a:ext cx="1497589" cy="400110"/>
           </a:xfrm>
           <a:prstGeom prst="rect">
             <a:avLst/>
@@ -5799,9 +5784,10 @@
           <a:lstStyle/>
           <a:p>
             <a:r>
-              <a:rPr lang="en-US" sz="2000" b="1" dirty="0"/>
-              <a:t>processType</a:t>
+              <a:rPr lang="en-US" sz="2000" b="1" dirty="0" err="1"/>
+              <a:t>ProcessType</a:t>
             </a:r>
+            <a:endParaRPr lang="en-US" sz="2000" b="1" dirty="0"/>
           </a:p>
         </p:txBody>
       </p:sp>
@@ -5814,7 +5800,7 @@
         <p:spPr>
           <a:xfrm>
             <a:off x="6280686" y="1295955"/>
-            <a:ext cx="822918" cy="400110"/>
+            <a:ext cx="845040" cy="400110"/>
           </a:xfrm>
           <a:prstGeom prst="rect">
             <a:avLst/>
@@ -5828,7 +5814,7 @@
           <a:p>
             <a:r>
               <a:rPr lang="en-US" sz="2000" b="1" dirty="0"/>
-              <a:t>status</a:t>
+              <a:t>Status</a:t>
             </a:r>
           </a:p>
         </p:txBody>
@@ -5908,7 +5894,7 @@
                     <a:p>
                       <a:pPr algn="ctr" rtl="0" fontAlgn="b"/>
                       <a:r>
-                        <a:rPr lang="he-IL" sz="1800" b="0" u="none" strike="noStrike" dirty="0" smtClean="0">
+                        <a:rPr lang="he-IL" sz="1800" b="0" u="none" strike="noStrike" dirty="0">
                           <a:effectLst/>
                         </a:rPr>
                         <a:t>סוג</a:t>
@@ -5969,7 +5955,7 @@
                     <a:p>
                       <a:pPr algn="r" rtl="1"/>
                       <a:r>
-                        <a:rPr lang="he-IL" sz="1400" dirty="0" smtClean="0">
+                        <a:rPr lang="he-IL" sz="1400" dirty="0">
                           <a:effectLst/>
                           <a:latin typeface="Times New Roman" panose="02020603050405020304" pitchFamily="18" charset="0"/>
                           <a:cs typeface="+mn-cs"/>
@@ -5977,7 +5963,7 @@
                         <a:t>תכנית</a:t>
                       </a:r>
                       <a:r>
-                        <a:rPr lang="he-IL" sz="1400" baseline="0" dirty="0" smtClean="0">
+                        <a:rPr lang="he-IL" sz="1400" baseline="0" dirty="0">
                           <a:effectLst/>
                           <a:latin typeface="Times New Roman" panose="02020603050405020304" pitchFamily="18" charset="0"/>
                           <a:cs typeface="+mn-cs"/>
@@ -6038,7 +6024,7 @@
                     <a:p>
                       <a:pPr algn="r" rtl="1"/>
                       <a:r>
-                        <a:rPr lang="he-IL" sz="1400" dirty="0" smtClean="0">
+                        <a:rPr lang="he-IL" sz="1400" dirty="0">
                           <a:effectLst/>
                           <a:latin typeface="Times New Roman" panose="02020603050405020304" pitchFamily="18" charset="0"/>
                           <a:cs typeface="+mn-cs"/>
@@ -6141,7 +6127,7 @@
                     <a:p>
                       <a:pPr marL="0" algn="ctr" defTabSz="914400" rtl="1" eaLnBrk="1" latinLnBrk="0" hangingPunct="1"/>
                       <a:r>
-                        <a:rPr lang="he-IL" sz="1400" kern="1200" dirty="0" smtClean="0">
+                        <a:rPr lang="he-IL" sz="1400" kern="1200" dirty="0">
                           <a:solidFill>
                             <a:srgbClr val="C00000"/>
                           </a:solidFill>
@@ -6192,7 +6178,7 @@
                         <a:defRPr/>
                       </a:pPr>
                       <a:r>
-                        <a:rPr lang="he-IL" sz="1400" kern="1200" dirty="0" smtClean="0">
+                        <a:rPr lang="he-IL" sz="1400" kern="1200" dirty="0">
                           <a:solidFill>
                             <a:srgbClr val="C00000"/>
                           </a:solidFill>
@@ -6203,7 +6189,7 @@
                         </a:rPr>
                         <a:t>תשריט לתיעוד גבולות</a:t>
                       </a:r>
-                      <a:endParaRPr lang="en-US" sz="1400" kern="1200" dirty="0" smtClean="0">
+                      <a:endParaRPr lang="en-US" sz="1400" kern="1200" dirty="0">
                         <a:solidFill>
                           <a:srgbClr val="C00000"/>
                         </a:solidFill>
@@ -6261,7 +6247,7 @@
                     <a:p>
                       <a:pPr algn="r" rtl="1"/>
                       <a:r>
-                        <a:rPr lang="he-IL" sz="1400" dirty="0" smtClean="0">
+                        <a:rPr lang="he-IL" sz="1400" dirty="0">
                           <a:effectLst/>
                           <a:latin typeface="Times New Roman" panose="02020603050405020304" pitchFamily="18" charset="0"/>
                           <a:cs typeface="+mn-cs"/>
@@ -6269,7 +6255,7 @@
                         <a:t>קדסטר</a:t>
                       </a:r>
                       <a:r>
-                        <a:rPr lang="he-IL" sz="1400" baseline="0" dirty="0" smtClean="0">
+                        <a:rPr lang="he-IL" sz="1400" baseline="0" dirty="0">
                           <a:effectLst/>
                           <a:latin typeface="Times New Roman" panose="02020603050405020304" pitchFamily="18" charset="0"/>
                           <a:cs typeface="+mn-cs"/>
@@ -6335,39 +6321,23 @@
                           <a:latin typeface="Times New Roman" panose="02020603050405020304" pitchFamily="18" charset="0"/>
                           <a:cs typeface="+mn-cs"/>
                         </a:rPr>
-                        <a:t>תיקון </a:t>
-                      </a:r>
-                      <a:r>
-                        <a:rPr lang="he-IL" sz="1400" dirty="0" smtClean="0">
+                        <a:t>תיקון הסדר</a:t>
+                      </a:r>
+                      <a:r>
+                        <a:rPr lang="he-IL" sz="1400" baseline="0" dirty="0">
                           <a:effectLst/>
                           <a:latin typeface="Times New Roman" panose="02020603050405020304" pitchFamily="18" charset="0"/>
                           <a:cs typeface="+mn-cs"/>
                         </a:rPr>
-                        <a:t>הסדר</a:t>
-                      </a:r>
-                      <a:r>
-                        <a:rPr lang="he-IL" sz="1400" baseline="0" dirty="0" smtClean="0">
+                        <a:t> לפי </a:t>
+                      </a:r>
+                      <a:r>
+                        <a:rPr lang="he-IL" sz="1400" dirty="0">
                           <a:effectLst/>
                           <a:latin typeface="Times New Roman" panose="02020603050405020304" pitchFamily="18" charset="0"/>
                           <a:cs typeface="+mn-cs"/>
                         </a:rPr>
-                        <a:t> לפי </a:t>
-                      </a:r>
-                      <a:r>
-                        <a:rPr lang="he-IL" sz="1400" dirty="0" smtClean="0">
-                          <a:effectLst/>
-                          <a:latin typeface="Times New Roman" panose="02020603050405020304" pitchFamily="18" charset="0"/>
-                          <a:cs typeface="+mn-cs"/>
-                        </a:rPr>
-                        <a:t>סעיף </a:t>
-                      </a:r>
-                      <a:r>
-                        <a:rPr lang="he-IL" sz="1400" dirty="0">
-                          <a:effectLst/>
-                          <a:latin typeface="Times New Roman" panose="02020603050405020304" pitchFamily="18" charset="0"/>
-                          <a:cs typeface="+mn-cs"/>
-                        </a:rPr>
-                        <a:t>97ב'</a:t>
+                        <a:t>סעיף 97ב'</a:t>
                       </a:r>
                       <a:endParaRPr lang="en-US" sz="1400" dirty="0">
                         <a:effectLst/>
@@ -6396,7 +6366,7 @@
                     <a:p>
                       <a:pPr algn="ctr"/>
                       <a:r>
-                        <a:rPr lang="he-IL" sz="1400" b="0" dirty="0" smtClean="0"/>
+                        <a:rPr lang="he-IL" sz="1400" b="0" dirty="0"/>
                         <a:t>7</a:t>
                       </a:r>
                       <a:endParaRPr lang="en-US" sz="1400" b="0" dirty="0"/>
@@ -6420,15 +6390,7 @@
                           <a:latin typeface="Times New Roman" panose="02020603050405020304" pitchFamily="18" charset="0"/>
                           <a:cs typeface="+mn-cs"/>
                         </a:rPr>
-                        <a:t>תיקון </a:t>
-                      </a:r>
-                      <a:r>
-                        <a:rPr lang="he-IL" sz="1400" dirty="0" smtClean="0">
-                          <a:effectLst/>
-                          <a:latin typeface="Times New Roman" panose="02020603050405020304" pitchFamily="18" charset="0"/>
-                          <a:cs typeface="+mn-cs"/>
-                        </a:rPr>
-                        <a:t>תצ"ר בשטח מוסדר</a:t>
+                        <a:t>תיקון תצ"ר בשטח מוסדר</a:t>
                       </a:r>
                       <a:endParaRPr lang="en-US" sz="1400" dirty="0">
                         <a:effectLst/>
@@ -6484,7 +6446,7 @@
                     <a:p>
                       <a:pPr algn="r" rtl="1"/>
                       <a:r>
-                        <a:rPr lang="he-IL" sz="1400" dirty="0" smtClean="0">
+                        <a:rPr lang="he-IL" sz="1400" dirty="0">
                           <a:effectLst/>
                           <a:latin typeface="Times New Roman" panose="02020603050405020304" pitchFamily="18" charset="0"/>
                           <a:cs typeface="+mn-cs"/>
@@ -6492,7 +6454,7 @@
                         <a:t>תיקון\עדכון</a:t>
                       </a:r>
                       <a:r>
-                        <a:rPr lang="he-IL" sz="1400" baseline="0" dirty="0" smtClean="0">
+                        <a:rPr lang="he-IL" sz="1400" baseline="0" dirty="0">
                           <a:effectLst/>
                           <a:latin typeface="Times New Roman" panose="02020603050405020304" pitchFamily="18" charset="0"/>
                           <a:cs typeface="+mn-cs"/>
@@ -6558,15 +6520,7 @@
                           <a:latin typeface="Times New Roman" panose="02020603050405020304" pitchFamily="18" charset="0"/>
                           <a:cs typeface="+mn-cs"/>
                         </a:rPr>
-                        <a:t>הסדר </a:t>
-                      </a:r>
-                      <a:r>
-                        <a:rPr lang="he-IL" sz="1400" dirty="0" smtClean="0">
-                          <a:effectLst/>
-                          <a:latin typeface="Times New Roman" panose="02020603050405020304" pitchFamily="18" charset="0"/>
-                          <a:cs typeface="+mn-cs"/>
-                        </a:rPr>
-                        <a:t>מקרקעין</a:t>
+                        <a:t>הסדר מקרקעין</a:t>
                       </a:r>
                       <a:endParaRPr lang="en-US" sz="1400" dirty="0">
                         <a:effectLst/>
@@ -6627,15 +6581,7 @@
                           <a:latin typeface="Times New Roman" panose="02020603050405020304" pitchFamily="18" charset="0"/>
                           <a:cs typeface="+mn-cs"/>
                         </a:rPr>
-                        <a:t>רישום </a:t>
-                      </a:r>
-                      <a:r>
-                        <a:rPr lang="he-IL" sz="1400" dirty="0" smtClean="0">
-                          <a:effectLst/>
-                          <a:latin typeface="Times New Roman" panose="02020603050405020304" pitchFamily="18" charset="0"/>
-                          <a:cs typeface="+mn-cs"/>
-                        </a:rPr>
-                        <a:t>ראשון בשטח לא מוסדר</a:t>
+                        <a:t>רישום ראשון בשטח לא מוסדר</a:t>
                       </a:r>
                       <a:endParaRPr lang="en-US" sz="1400" dirty="0">
                         <a:effectLst/>
@@ -6664,7 +6610,7 @@
                     <a:p>
                       <a:pPr algn="ctr" rtl="1"/>
                       <a:r>
-                        <a:rPr lang="he-IL" sz="1400" b="0" dirty="0" smtClean="0">
+                        <a:rPr lang="he-IL" sz="1400" b="0" dirty="0">
                           <a:effectLst/>
                           <a:latin typeface="Times New Roman" panose="02020603050405020304" pitchFamily="18" charset="0"/>
                           <a:cs typeface="+mn-cs"/>
@@ -6725,7 +6671,7 @@
                     <a:p>
                       <a:pPr algn="ctr" rtl="1"/>
                       <a:r>
-                        <a:rPr lang="he-IL" sz="1400" b="0" dirty="0" smtClean="0">
+                        <a:rPr lang="he-IL" sz="1400" b="0" dirty="0">
                           <a:effectLst/>
                           <a:latin typeface="Times New Roman" panose="02020603050405020304" pitchFamily="18" charset="0"/>
                           <a:cs typeface="+mn-cs"/>
@@ -6786,7 +6732,7 @@
                     <a:p>
                       <a:pPr algn="ctr"/>
                       <a:r>
-                        <a:rPr lang="he-IL" sz="1400" b="0" dirty="0" smtClean="0"/>
+                        <a:rPr lang="he-IL" sz="1400" b="0" dirty="0"/>
                         <a:t>13</a:t>
                       </a:r>
                       <a:endParaRPr lang="en-US" sz="1400" b="0" dirty="0"/>
@@ -6805,7 +6751,7 @@
                     <a:p>
                       <a:pPr algn="r" rtl="1"/>
                       <a:r>
-                        <a:rPr lang="he-IL" sz="1400" dirty="0" smtClean="0">
+                        <a:rPr lang="he-IL" sz="1400" dirty="0">
                           <a:effectLst/>
                           <a:latin typeface="Times New Roman" panose="02020603050405020304" pitchFamily="18" charset="0"/>
                           <a:cs typeface="+mn-cs"/>
@@ -6839,7 +6785,7 @@
                     <a:p>
                       <a:pPr algn="ctr" rtl="1"/>
                       <a:r>
-                        <a:rPr lang="he-IL" sz="1400" b="0" dirty="0" smtClean="0">
+                        <a:rPr lang="he-IL" sz="1400" b="0" dirty="0">
                           <a:effectLst/>
                           <a:latin typeface="Times New Roman" panose="02020603050405020304" pitchFamily="18" charset="0"/>
                           <a:cs typeface="+mn-cs"/>
@@ -6882,7 +6828,7 @@
                         <a:defRPr/>
                       </a:pPr>
                       <a:r>
-                        <a:rPr lang="he-IL" sz="1400" dirty="0" smtClean="0">
+                        <a:rPr lang="he-IL" sz="1400" dirty="0">
                           <a:effectLst/>
                           <a:latin typeface="Times New Roman" panose="02020603050405020304" pitchFamily="18" charset="0"/>
                           <a:cs typeface="+mn-cs"/>
@@ -6890,14 +6836,14 @@
                         <a:t>תיקון\עדכון</a:t>
                       </a:r>
                       <a:r>
-                        <a:rPr lang="he-IL" sz="1400" baseline="0" dirty="0" smtClean="0">
+                        <a:rPr lang="he-IL" sz="1400" baseline="0" dirty="0">
                           <a:effectLst/>
                           <a:latin typeface="Times New Roman" panose="02020603050405020304" pitchFamily="18" charset="0"/>
                           <a:cs typeface="+mn-cs"/>
                         </a:rPr>
                         <a:t> בעקבות פניית ציבור בשטח לא מוסדר</a:t>
                       </a:r>
-                      <a:endParaRPr lang="en-US" sz="1400" dirty="0" smtClean="0">
+                      <a:endParaRPr lang="en-US" sz="1400" dirty="0">
                         <a:effectLst/>
                         <a:latin typeface="Times New Roman" panose="02020603050405020304" pitchFamily="18" charset="0"/>
                         <a:cs typeface="+mn-cs"/>
@@ -6995,7 +6941,7 @@
                     <a:p>
                       <a:pPr algn="ctr" rtl="0" fontAlgn="b"/>
                       <a:r>
-                        <a:rPr lang="he-IL" sz="1800" b="0" u="none" strike="noStrike" dirty="0" smtClean="0">
+                        <a:rPr lang="he-IL" sz="1800" b="0" u="none" strike="noStrike" dirty="0">
                           <a:effectLst/>
                         </a:rPr>
                         <a:t>סוג</a:t>
@@ -7029,7 +6975,7 @@
                     <a:p>
                       <a:pPr algn="ctr" rtl="0" fontAlgn="b"/>
                       <a:r>
-                        <a:rPr lang="he-IL" sz="1600" b="0" i="0" u="none" strike="noStrike" dirty="0" smtClean="0">
+                        <a:rPr lang="he-IL" sz="1600" b="0" i="0" u="none" strike="noStrike" dirty="0">
                           <a:solidFill>
                             <a:schemeClr val="tx1"/>
                           </a:solidFill>
@@ -7038,13 +6984,6 @@
                         </a:rPr>
                         <a:t>0</a:t>
                       </a:r>
-                      <a:endParaRPr lang="he-IL" sz="1600" b="0" i="0" u="none" strike="noStrike" dirty="0">
-                        <a:solidFill>
-                          <a:schemeClr val="tx1"/>
-                        </a:solidFill>
-                        <a:effectLst/>
-                        <a:latin typeface="Arial" panose="020B0604020202020204" pitchFamily="34" charset="0"/>
-                      </a:endParaRPr>
                     </a:p>
                   </a:txBody>
                   <a:tcPr marL="9525" marR="9525" marT="9525" marB="0" anchor="b">
@@ -7060,7 +6999,7 @@
                     <a:p>
                       <a:pPr algn="ctr" rtl="1" fontAlgn="b"/>
                       <a:r>
-                        <a:rPr lang="he-IL" sz="1400" b="0" i="0" u="none" strike="noStrike" smtClean="0">
+                        <a:rPr lang="he-IL" sz="1400" b="0" i="0" u="none" strike="noStrike">
                           <a:solidFill>
                             <a:schemeClr val="tx1"/>
                           </a:solidFill>
@@ -7293,15 +7232,15 @@
           <a:p>
             <a:pPr algn="r" rtl="1"/>
             <a:r>
-              <a:rPr lang="he-IL" sz="1100" dirty="0" smtClean="0"/>
+              <a:rPr lang="he-IL" sz="1100" dirty="0"/>
               <a:t>*תת"ג הוא תהליך </a:t>
             </a:r>
             <a:r>
-              <a:rPr lang="he-IL" sz="1100" dirty="0" err="1" smtClean="0"/>
+              <a:rPr lang="he-IL" sz="1100" dirty="0" err="1"/>
               <a:t>קדסטרי</a:t>
             </a:r>
             <a:r>
-              <a:rPr lang="he-IL" sz="1100" dirty="0" smtClean="0"/>
+              <a:rPr lang="he-IL" sz="1100" dirty="0"/>
               <a:t> חדש יחסית (~משנת 2014), לכן כל הערכים בנתונים הקיימים יקבלו קוד רשת 3</a:t>
             </a:r>
             <a:endParaRPr lang="en-US" sz="1100" dirty="0"/>
@@ -7383,7 +7322,7 @@
                     <a:p>
                       <a:pPr algn="ctr" rtl="0" fontAlgn="b"/>
                       <a:r>
-                        <a:rPr lang="he-IL" sz="1800" b="0" u="none" strike="noStrike" dirty="0" smtClean="0">
+                        <a:rPr lang="he-IL" sz="1800" b="0" u="none" strike="noStrike" dirty="0">
                           <a:effectLst/>
                         </a:rPr>
                         <a:t>סוג</a:t>
@@ -7613,7 +7552,7 @@
           <a:p>
             <a:pPr algn="r" rtl="1"/>
             <a:r>
-              <a:rPr lang="he-IL" sz="1100" dirty="0" smtClean="0"/>
+              <a:rPr lang="he-IL" sz="1100" dirty="0"/>
               <a:t>*בנתונים הקיימים סטטוס 21 לא קיים</a:t>
             </a:r>
             <a:endParaRPr lang="en-US" sz="1100" dirty="0"/>
@@ -7629,7 +7568,7 @@
         <p:spPr>
           <a:xfrm>
             <a:off x="7329898" y="3426607"/>
-            <a:ext cx="1381597" cy="400110"/>
+            <a:ext cx="1405641" cy="400110"/>
           </a:xfrm>
           <a:prstGeom prst="rect">
             <a:avLst/>
@@ -7647,7 +7586,7 @@
                   <a:srgbClr val="000000"/>
                 </a:solidFill>
               </a:rPr>
-              <a:t>dataSource</a:t>
+              <a:t>DataSource</a:t>
             </a:r>
             <a:endParaRPr lang="en-US" sz="2000" b="1" dirty="0"/>
           </a:p>
@@ -7728,7 +7667,7 @@
                     <a:p>
                       <a:pPr algn="ctr" rtl="0" fontAlgn="b"/>
                       <a:r>
-                        <a:rPr lang="he-IL" sz="1800" b="0" u="none" strike="noStrike" dirty="0" smtClean="0">
+                        <a:rPr lang="he-IL" sz="1800" b="0" u="none" strike="noStrike" dirty="0">
                           <a:effectLst/>
                         </a:rPr>
                         <a:t>סוג</a:t>
@@ -7762,7 +7701,7 @@
                     <a:p>
                       <a:pPr marL="0" algn="ctr" defTabSz="914400" rtl="1" eaLnBrk="1" fontAlgn="b" latinLnBrk="0" hangingPunct="1"/>
                       <a:r>
-                        <a:rPr lang="he-IL" sz="1400" b="0" i="0" u="none" strike="noStrike" kern="1200" dirty="0" smtClean="0">
+                        <a:rPr lang="he-IL" sz="1400" b="0" i="0" u="none" strike="noStrike" kern="1200" dirty="0">
                           <a:solidFill>
                             <a:schemeClr val="tx1"/>
                           </a:solidFill>
@@ -7772,6 +7711,209 @@
                           <a:cs typeface="+mn-cs"/>
                         </a:rPr>
                         <a:t>1</a:t>
+                      </a:r>
+                    </a:p>
+                  </a:txBody>
+                  <a:tcPr marL="9525" marR="9525" marT="9525" marB="0" anchor="b">
+                    <a:solidFill>
+                      <a:schemeClr val="bg2"/>
+                    </a:solidFill>
+                  </a:tcPr>
+                </a:tc>
+                <a:tc>
+                  <a:txBody>
+                    <a:bodyPr/>
+                    <a:lstStyle/>
+                    <a:p>
+                      <a:pPr marL="0" algn="ctr" defTabSz="914400" rtl="1" eaLnBrk="1" fontAlgn="b" latinLnBrk="0" hangingPunct="1"/>
+                      <a:r>
+                        <a:rPr lang="he-IL" sz="1400" b="0" i="0" u="none" strike="noStrike" kern="1200" dirty="0">
+                          <a:solidFill>
+                            <a:schemeClr val="tx1"/>
+                          </a:solidFill>
+                          <a:effectLst/>
+                          <a:latin typeface="Arial" panose="020B0604020202020204" pitchFamily="34" charset="0"/>
+                          <a:ea typeface="+mn-ea"/>
+                          <a:cs typeface="+mn-cs"/>
+                        </a:rPr>
+                        <a:t>כרטסת</a:t>
+                      </a:r>
+                    </a:p>
+                  </a:txBody>
+                  <a:tcPr marL="9525" marR="9525" marT="9525" marB="0" anchor="b">
+                    <a:solidFill>
+                      <a:schemeClr val="bg2"/>
+                    </a:solidFill>
+                  </a:tcPr>
+                </a:tc>
+                <a:extLst>
+                  <a:ext uri="{0D108BD9-81ED-4DB2-BD59-A6C34878D82A}">
+                    <a16:rowId xmlns:a16="http://schemas.microsoft.com/office/drawing/2014/main" val="4180118382"/>
+                  </a:ext>
+                </a:extLst>
+              </a:tr>
+              <a:tr h="180975">
+                <a:tc>
+                  <a:txBody>
+                    <a:bodyPr/>
+                    <a:lstStyle/>
+                    <a:p>
+                      <a:pPr marL="0" algn="ctr" defTabSz="914400" rtl="1" eaLnBrk="1" fontAlgn="b" latinLnBrk="0" hangingPunct="1"/>
+                      <a:r>
+                        <a:rPr lang="he-IL" sz="1400" b="0" i="0" u="none" strike="noStrike" kern="1200" dirty="0">
+                          <a:solidFill>
+                            <a:schemeClr val="tx1"/>
+                          </a:solidFill>
+                          <a:effectLst/>
+                          <a:latin typeface="Arial" panose="020B0604020202020204" pitchFamily="34" charset="0"/>
+                          <a:ea typeface="+mn-ea"/>
+                          <a:cs typeface="+mn-cs"/>
+                        </a:rPr>
+                        <a:t>2</a:t>
+                      </a:r>
+                    </a:p>
+                  </a:txBody>
+                  <a:tcPr marL="9525" marR="9525" marT="9525" marB="0" anchor="b">
+                    <a:solidFill>
+                      <a:schemeClr val="bg2"/>
+                    </a:solidFill>
+                  </a:tcPr>
+                </a:tc>
+                <a:tc>
+                  <a:txBody>
+                    <a:bodyPr/>
+                    <a:lstStyle/>
+                    <a:p>
+                      <a:pPr marL="0" algn="ctr" defTabSz="914400" rtl="1" eaLnBrk="1" fontAlgn="b" latinLnBrk="0" hangingPunct="1"/>
+                      <a:r>
+                        <a:rPr lang="he-IL" sz="1400" b="0" i="0" u="none" strike="noStrike" kern="1200" dirty="0">
+                          <a:solidFill>
+                            <a:schemeClr val="tx1"/>
+                          </a:solidFill>
+                          <a:effectLst/>
+                          <a:latin typeface="Arial" panose="020B0604020202020204" pitchFamily="34" charset="0"/>
+                          <a:ea typeface="+mn-ea"/>
+                          <a:cs typeface="+mn-cs"/>
+                        </a:rPr>
+                        <a:t>טבלאי</a:t>
+                      </a:r>
+                    </a:p>
+                  </a:txBody>
+                  <a:tcPr marL="9525" marR="9525" marT="9525" marB="0" anchor="b">
+                    <a:solidFill>
+                      <a:schemeClr val="bg2"/>
+                    </a:solidFill>
+                  </a:tcPr>
+                </a:tc>
+                <a:extLst>
+                  <a:ext uri="{0D108BD9-81ED-4DB2-BD59-A6C34878D82A}">
+                    <a16:rowId xmlns:a16="http://schemas.microsoft.com/office/drawing/2014/main" val="976144249"/>
+                  </a:ext>
+                </a:extLst>
+              </a:tr>
+              <a:tr h="180975">
+                <a:tc>
+                  <a:txBody>
+                    <a:bodyPr/>
+                    <a:lstStyle/>
+                    <a:p>
+                      <a:pPr marL="0" algn="ctr" defTabSz="914400" rtl="1" eaLnBrk="1" fontAlgn="b" latinLnBrk="0" hangingPunct="1"/>
+                      <a:r>
+                        <a:rPr lang="he-IL" sz="1400" b="0" i="0" u="none" strike="noStrike" kern="1200" dirty="0">
+                          <a:solidFill>
+                            <a:schemeClr val="tx1"/>
+                          </a:solidFill>
+                          <a:effectLst/>
+                          <a:latin typeface="Arial" panose="020B0604020202020204" pitchFamily="34" charset="0"/>
+                          <a:ea typeface="+mn-ea"/>
+                          <a:cs typeface="+mn-cs"/>
+                        </a:rPr>
+                        <a:t>3</a:t>
+                      </a:r>
+                    </a:p>
+                  </a:txBody>
+                  <a:tcPr marL="9525" marR="9525" marT="9525" marB="0" anchor="b">
+                    <a:solidFill>
+                      <a:schemeClr val="bg2"/>
+                    </a:solidFill>
+                  </a:tcPr>
+                </a:tc>
+                <a:tc>
+                  <a:txBody>
+                    <a:bodyPr/>
+                    <a:lstStyle/>
+                    <a:p>
+                      <a:pPr marL="0" algn="ctr" defTabSz="914400" rtl="1" eaLnBrk="1" fontAlgn="b" latinLnBrk="0" hangingPunct="1"/>
+                      <a:r>
+                        <a:rPr lang="he-IL" sz="1400" b="0" i="0" u="none" strike="noStrike" kern="1200" dirty="0">
+                          <a:solidFill>
+                            <a:schemeClr val="tx1"/>
+                          </a:solidFill>
+                          <a:effectLst/>
+                          <a:latin typeface="Arial" panose="020B0604020202020204" pitchFamily="34" charset="0"/>
+                          <a:ea typeface="+mn-ea"/>
+                          <a:cs typeface="+mn-cs"/>
+                        </a:rPr>
+                        <a:t>דיגיטציה</a:t>
+                      </a:r>
+                    </a:p>
+                  </a:txBody>
+                  <a:tcPr marL="9525" marR="9525" marT="9525" marB="0" anchor="b">
+                    <a:solidFill>
+                      <a:schemeClr val="bg2"/>
+                    </a:solidFill>
+                  </a:tcPr>
+                </a:tc>
+                <a:extLst>
+                  <a:ext uri="{0D108BD9-81ED-4DB2-BD59-A6C34878D82A}">
+                    <a16:rowId xmlns:a16="http://schemas.microsoft.com/office/drawing/2014/main" val="3727788933"/>
+                  </a:ext>
+                </a:extLst>
+              </a:tr>
+              <a:tr h="180975">
+                <a:tc>
+                  <a:txBody>
+                    <a:bodyPr/>
+                    <a:lstStyle/>
+                    <a:p>
+                      <a:pPr marL="0" algn="ctr" defTabSz="914400" rtl="1" eaLnBrk="1" fontAlgn="b" latinLnBrk="0" hangingPunct="1"/>
+                      <a:r>
+                        <a:rPr lang="he-IL" sz="1400" b="0" i="0" u="none" strike="noStrike" kern="1200" dirty="0">
+                          <a:solidFill>
+                            <a:schemeClr val="tx1"/>
+                          </a:solidFill>
+                          <a:effectLst/>
+                          <a:latin typeface="Arial" panose="020B0604020202020204" pitchFamily="34" charset="0"/>
+                          <a:ea typeface="+mn-ea"/>
+                          <a:cs typeface="+mn-cs"/>
+                        </a:rPr>
+                        <a:t>4</a:t>
+                      </a:r>
+                    </a:p>
+                  </a:txBody>
+                  <a:tcPr marL="9525" marR="9525" marT="9525" marB="0" anchor="b">
+                    <a:solidFill>
+                      <a:schemeClr val="bg2"/>
+                    </a:solidFill>
+                  </a:tcPr>
+                </a:tc>
+                <a:tc>
+                  <a:txBody>
+                    <a:bodyPr/>
+                    <a:lstStyle/>
+                    <a:p>
+                      <a:pPr marL="0" algn="ctr" defTabSz="914400" rtl="1" eaLnBrk="1" fontAlgn="b" latinLnBrk="0" hangingPunct="1"/>
+                      <a:r>
+                        <a:rPr lang="en-US" sz="1400" b="0" i="0" u="none" strike="noStrike" kern="1200" dirty="0">
+                          <a:solidFill>
+                            <a:schemeClr val="tx1"/>
+                          </a:solidFill>
+                          <a:effectLst/>
+                          <a:latin typeface="Arial" panose="020B0604020202020204" pitchFamily="34" charset="0"/>
+                          <a:ea typeface="+mn-ea"/>
+                          <a:cs typeface="+mn-cs"/>
+                        </a:rPr>
+                        <a:t>SRV</a:t>
                       </a:r>
                       <a:endParaRPr lang="he-IL" sz="1400" b="0" i="0" u="none" strike="noStrike" kern="1200" dirty="0">
                         <a:solidFill>
@@ -7790,272 +7932,6 @@
                     </a:solidFill>
                   </a:tcPr>
                 </a:tc>
-                <a:tc>
-                  <a:txBody>
-                    <a:bodyPr/>
-                    <a:lstStyle/>
-                    <a:p>
-                      <a:pPr marL="0" algn="ctr" defTabSz="914400" rtl="1" eaLnBrk="1" fontAlgn="b" latinLnBrk="0" hangingPunct="1"/>
-                      <a:r>
-                        <a:rPr lang="he-IL" sz="1400" b="0" i="0" u="none" strike="noStrike" kern="1200" dirty="0" smtClean="0">
-                          <a:solidFill>
-                            <a:schemeClr val="tx1"/>
-                          </a:solidFill>
-                          <a:effectLst/>
-                          <a:latin typeface="Arial" panose="020B0604020202020204" pitchFamily="34" charset="0"/>
-                          <a:ea typeface="+mn-ea"/>
-                          <a:cs typeface="+mn-cs"/>
-                        </a:rPr>
-                        <a:t>כרטסת</a:t>
-                      </a:r>
-                      <a:endParaRPr lang="he-IL" sz="1400" b="0" i="0" u="none" strike="noStrike" kern="1200" dirty="0">
-                        <a:solidFill>
-                          <a:schemeClr val="tx1"/>
-                        </a:solidFill>
-                        <a:effectLst/>
-                        <a:latin typeface="Arial" panose="020B0604020202020204" pitchFamily="34" charset="0"/>
-                        <a:ea typeface="+mn-ea"/>
-                        <a:cs typeface="+mn-cs"/>
-                      </a:endParaRPr>
-                    </a:p>
-                  </a:txBody>
-                  <a:tcPr marL="9525" marR="9525" marT="9525" marB="0" anchor="b">
-                    <a:solidFill>
-                      <a:schemeClr val="bg2"/>
-                    </a:solidFill>
-                  </a:tcPr>
-                </a:tc>
-                <a:extLst>
-                  <a:ext uri="{0D108BD9-81ED-4DB2-BD59-A6C34878D82A}">
-                    <a16:rowId xmlns:a16="http://schemas.microsoft.com/office/drawing/2014/main" val="4180118382"/>
-                  </a:ext>
-                </a:extLst>
-              </a:tr>
-              <a:tr h="180975">
-                <a:tc>
-                  <a:txBody>
-                    <a:bodyPr/>
-                    <a:lstStyle/>
-                    <a:p>
-                      <a:pPr marL="0" algn="ctr" defTabSz="914400" rtl="1" eaLnBrk="1" fontAlgn="b" latinLnBrk="0" hangingPunct="1"/>
-                      <a:r>
-                        <a:rPr lang="he-IL" sz="1400" b="0" i="0" u="none" strike="noStrike" kern="1200" dirty="0" smtClean="0">
-                          <a:solidFill>
-                            <a:schemeClr val="tx1"/>
-                          </a:solidFill>
-                          <a:effectLst/>
-                          <a:latin typeface="Arial" panose="020B0604020202020204" pitchFamily="34" charset="0"/>
-                          <a:ea typeface="+mn-ea"/>
-                          <a:cs typeface="+mn-cs"/>
-                        </a:rPr>
-                        <a:t>2</a:t>
-                      </a:r>
-                      <a:endParaRPr lang="he-IL" sz="1400" b="0" i="0" u="none" strike="noStrike" kern="1200" dirty="0">
-                        <a:solidFill>
-                          <a:schemeClr val="tx1"/>
-                        </a:solidFill>
-                        <a:effectLst/>
-                        <a:latin typeface="Arial" panose="020B0604020202020204" pitchFamily="34" charset="0"/>
-                        <a:ea typeface="+mn-ea"/>
-                        <a:cs typeface="+mn-cs"/>
-                      </a:endParaRPr>
-                    </a:p>
-                  </a:txBody>
-                  <a:tcPr marL="9525" marR="9525" marT="9525" marB="0" anchor="b">
-                    <a:solidFill>
-                      <a:schemeClr val="bg2"/>
-                    </a:solidFill>
-                  </a:tcPr>
-                </a:tc>
-                <a:tc>
-                  <a:txBody>
-                    <a:bodyPr/>
-                    <a:lstStyle/>
-                    <a:p>
-                      <a:pPr marL="0" algn="ctr" defTabSz="914400" rtl="1" eaLnBrk="1" fontAlgn="b" latinLnBrk="0" hangingPunct="1"/>
-                      <a:r>
-                        <a:rPr lang="he-IL" sz="1400" b="0" i="0" u="none" strike="noStrike" kern="1200" dirty="0" smtClean="0">
-                          <a:solidFill>
-                            <a:schemeClr val="tx1"/>
-                          </a:solidFill>
-                          <a:effectLst/>
-                          <a:latin typeface="Arial" panose="020B0604020202020204" pitchFamily="34" charset="0"/>
-                          <a:ea typeface="+mn-ea"/>
-                          <a:cs typeface="+mn-cs"/>
-                        </a:rPr>
-                        <a:t>טבלאי</a:t>
-                      </a:r>
-                      <a:endParaRPr lang="he-IL" sz="1400" b="0" i="0" u="none" strike="noStrike" kern="1200" dirty="0">
-                        <a:solidFill>
-                          <a:schemeClr val="tx1"/>
-                        </a:solidFill>
-                        <a:effectLst/>
-                        <a:latin typeface="Arial" panose="020B0604020202020204" pitchFamily="34" charset="0"/>
-                        <a:ea typeface="+mn-ea"/>
-                        <a:cs typeface="+mn-cs"/>
-                      </a:endParaRPr>
-                    </a:p>
-                  </a:txBody>
-                  <a:tcPr marL="9525" marR="9525" marT="9525" marB="0" anchor="b">
-                    <a:solidFill>
-                      <a:schemeClr val="bg2"/>
-                    </a:solidFill>
-                  </a:tcPr>
-                </a:tc>
-                <a:extLst>
-                  <a:ext uri="{0D108BD9-81ED-4DB2-BD59-A6C34878D82A}">
-                    <a16:rowId xmlns:a16="http://schemas.microsoft.com/office/drawing/2014/main" val="976144249"/>
-                  </a:ext>
-                </a:extLst>
-              </a:tr>
-              <a:tr h="180975">
-                <a:tc>
-                  <a:txBody>
-                    <a:bodyPr/>
-                    <a:lstStyle/>
-                    <a:p>
-                      <a:pPr marL="0" algn="ctr" defTabSz="914400" rtl="1" eaLnBrk="1" fontAlgn="b" latinLnBrk="0" hangingPunct="1"/>
-                      <a:r>
-                        <a:rPr lang="he-IL" sz="1400" b="0" i="0" u="none" strike="noStrike" kern="1200" dirty="0" smtClean="0">
-                          <a:solidFill>
-                            <a:schemeClr val="tx1"/>
-                          </a:solidFill>
-                          <a:effectLst/>
-                          <a:latin typeface="Arial" panose="020B0604020202020204" pitchFamily="34" charset="0"/>
-                          <a:ea typeface="+mn-ea"/>
-                          <a:cs typeface="+mn-cs"/>
-                        </a:rPr>
-                        <a:t>3</a:t>
-                      </a:r>
-                      <a:endParaRPr lang="he-IL" sz="1400" b="0" i="0" u="none" strike="noStrike" kern="1200" dirty="0">
-                        <a:solidFill>
-                          <a:schemeClr val="tx1"/>
-                        </a:solidFill>
-                        <a:effectLst/>
-                        <a:latin typeface="Arial" panose="020B0604020202020204" pitchFamily="34" charset="0"/>
-                        <a:ea typeface="+mn-ea"/>
-                        <a:cs typeface="+mn-cs"/>
-                      </a:endParaRPr>
-                    </a:p>
-                  </a:txBody>
-                  <a:tcPr marL="9525" marR="9525" marT="9525" marB="0" anchor="b">
-                    <a:solidFill>
-                      <a:schemeClr val="bg2"/>
-                    </a:solidFill>
-                  </a:tcPr>
-                </a:tc>
-                <a:tc>
-                  <a:txBody>
-                    <a:bodyPr/>
-                    <a:lstStyle/>
-                    <a:p>
-                      <a:pPr marL="0" algn="ctr" defTabSz="914400" rtl="1" eaLnBrk="1" fontAlgn="b" latinLnBrk="0" hangingPunct="1"/>
-                      <a:r>
-                        <a:rPr lang="he-IL" sz="1400" b="0" i="0" u="none" strike="noStrike" kern="1200" dirty="0" smtClean="0">
-                          <a:solidFill>
-                            <a:schemeClr val="tx1"/>
-                          </a:solidFill>
-                          <a:effectLst/>
-                          <a:latin typeface="Arial" panose="020B0604020202020204" pitchFamily="34" charset="0"/>
-                          <a:ea typeface="+mn-ea"/>
-                          <a:cs typeface="+mn-cs"/>
-                        </a:rPr>
-                        <a:t>דיגיטציה</a:t>
-                      </a:r>
-                      <a:endParaRPr lang="he-IL" sz="1400" b="0" i="0" u="none" strike="noStrike" kern="1200" dirty="0">
-                        <a:solidFill>
-                          <a:schemeClr val="tx1"/>
-                        </a:solidFill>
-                        <a:effectLst/>
-                        <a:latin typeface="Arial" panose="020B0604020202020204" pitchFamily="34" charset="0"/>
-                        <a:ea typeface="+mn-ea"/>
-                        <a:cs typeface="+mn-cs"/>
-                      </a:endParaRPr>
-                    </a:p>
-                  </a:txBody>
-                  <a:tcPr marL="9525" marR="9525" marT="9525" marB="0" anchor="b">
-                    <a:solidFill>
-                      <a:schemeClr val="bg2"/>
-                    </a:solidFill>
-                  </a:tcPr>
-                </a:tc>
-                <a:extLst>
-                  <a:ext uri="{0D108BD9-81ED-4DB2-BD59-A6C34878D82A}">
-                    <a16:rowId xmlns:a16="http://schemas.microsoft.com/office/drawing/2014/main" val="3727788933"/>
-                  </a:ext>
-                </a:extLst>
-              </a:tr>
-              <a:tr h="180975">
-                <a:tc>
-                  <a:txBody>
-                    <a:bodyPr/>
-                    <a:lstStyle/>
-                    <a:p>
-                      <a:pPr marL="0" algn="ctr" defTabSz="914400" rtl="1" eaLnBrk="1" fontAlgn="b" latinLnBrk="0" hangingPunct="1"/>
-                      <a:r>
-                        <a:rPr lang="he-IL" sz="1400" b="0" i="0" u="none" strike="noStrike" kern="1200" dirty="0" smtClean="0">
-                          <a:solidFill>
-                            <a:schemeClr val="tx1"/>
-                          </a:solidFill>
-                          <a:effectLst/>
-                          <a:latin typeface="Arial" panose="020B0604020202020204" pitchFamily="34" charset="0"/>
-                          <a:ea typeface="+mn-ea"/>
-                          <a:cs typeface="+mn-cs"/>
-                        </a:rPr>
-                        <a:t>4</a:t>
-                      </a:r>
-                      <a:endParaRPr lang="he-IL" sz="1400" b="0" i="0" u="none" strike="noStrike" kern="1200" dirty="0">
-                        <a:solidFill>
-                          <a:schemeClr val="tx1"/>
-                        </a:solidFill>
-                        <a:effectLst/>
-                        <a:latin typeface="Arial" panose="020B0604020202020204" pitchFamily="34" charset="0"/>
-                        <a:ea typeface="+mn-ea"/>
-                        <a:cs typeface="+mn-cs"/>
-                      </a:endParaRPr>
-                    </a:p>
-                  </a:txBody>
-                  <a:tcPr marL="9525" marR="9525" marT="9525" marB="0" anchor="b">
-                    <a:solidFill>
-                      <a:schemeClr val="bg2"/>
-                    </a:solidFill>
-                  </a:tcPr>
-                </a:tc>
-                <a:tc>
-                  <a:txBody>
-                    <a:bodyPr/>
-                    <a:lstStyle/>
-                    <a:p>
-                      <a:pPr marL="0" algn="ctr" defTabSz="914400" rtl="1" eaLnBrk="1" fontAlgn="b" latinLnBrk="0" hangingPunct="1"/>
-                      <a:r>
-                        <a:rPr lang="en-US" sz="1400" b="0" i="0" u="none" strike="noStrike" kern="1200" dirty="0" smtClean="0">
-                          <a:solidFill>
-                            <a:schemeClr val="tx1"/>
-                          </a:solidFill>
-                          <a:effectLst/>
-                          <a:latin typeface="Arial" panose="020B0604020202020204" pitchFamily="34" charset="0"/>
-                          <a:ea typeface="+mn-ea"/>
-                          <a:cs typeface="+mn-cs"/>
-                        </a:rPr>
-                        <a:t>SRV</a:t>
-                      </a:r>
-                      <a:endParaRPr lang="he-IL" sz="1400" b="0" i="0" u="none" strike="noStrike" kern="1200" dirty="0">
-                        <a:solidFill>
-                          <a:schemeClr val="tx1"/>
-                        </a:solidFill>
-                        <a:effectLst/>
-                        <a:latin typeface="Arial" panose="020B0604020202020204" pitchFamily="34" charset="0"/>
-                        <a:ea typeface="+mn-ea"/>
-                        <a:cs typeface="+mn-cs"/>
-                      </a:endParaRPr>
-                    </a:p>
-                  </a:txBody>
-                  <a:tcPr marL="9525" marR="9525" marT="9525" marB="0" anchor="b">
-                    <a:solidFill>
-                      <a:schemeClr val="bg2"/>
-                    </a:solidFill>
-                  </a:tcPr>
-                </a:tc>
                 <a:extLst>
                   <a:ext uri="{0D108BD9-81ED-4DB2-BD59-A6C34878D82A}">
                     <a16:rowId xmlns:a16="http://schemas.microsoft.com/office/drawing/2014/main" val="2676537305"/>
@@ -8070,7 +7946,7 @@
                     <a:p>
                       <a:pPr marL="0" algn="ctr" defTabSz="914400" rtl="1" eaLnBrk="1" fontAlgn="b" latinLnBrk="0" hangingPunct="1"/>
                       <a:r>
-                        <a:rPr lang="he-IL" sz="1400" b="0" i="0" u="none" strike="noStrike" kern="1200" dirty="0" smtClean="0">
+                        <a:rPr lang="he-IL" sz="1400" b="0" i="0" u="none" strike="noStrike" kern="1200" dirty="0">
                           <a:solidFill>
                             <a:srgbClr val="FF0000"/>
                           </a:solidFill>
@@ -8081,15 +7957,6 @@
                         </a:rPr>
                         <a:t>5</a:t>
                       </a:r>
-                      <a:endParaRPr lang="he-IL" sz="1400" b="0" i="0" u="none" strike="noStrike" kern="1200" dirty="0">
-                        <a:solidFill>
-                          <a:srgbClr val="FF0000"/>
-                        </a:solidFill>
-                        <a:effectLst/>
-                        <a:latin typeface="Arial" panose="020B0604020202020204" pitchFamily="34" charset="0"/>
-                        <a:ea typeface="+mn-ea"/>
-                        <a:cs typeface="+mn-cs"/>
-                      </a:endParaRPr>
                     </a:p>
                   </a:txBody>
                   <a:tcPr marL="9525" marR="9525" marT="9525" marB="0" anchor="b">
@@ -8105,7 +7972,7 @@
                     <a:p>
                       <a:pPr marL="0" algn="ctr" defTabSz="914400" rtl="1" eaLnBrk="1" fontAlgn="b" latinLnBrk="0" hangingPunct="1"/>
                       <a:r>
-                        <a:rPr lang="en-US" sz="1400" b="0" i="0" u="none" strike="noStrike" kern="1200" dirty="0" smtClean="0">
+                        <a:rPr lang="en-US" sz="1400" b="0" i="0" u="none" strike="noStrike" kern="1200" dirty="0">
                           <a:solidFill>
                             <a:srgbClr val="FF0000"/>
                           </a:solidFill>
@@ -8166,7 +8033,7 @@
           <a:p>
             <a:pPr algn="r" rtl="1"/>
             <a:r>
-              <a:rPr lang="he-IL" sz="1100" dirty="0" smtClean="0"/>
+              <a:rPr lang="he-IL" sz="1100" dirty="0"/>
               <a:t>כל הערכים בנתונים הקיימים יקבלו קוד מקור 5</a:t>
             </a:r>
             <a:endParaRPr lang="en-US" sz="1100" dirty="0"/>
@@ -8184,13 +8051,6 @@
     <a:masterClrMapping/>
   </p:clrMapOvr>
   <p:transition/>
-  <p:timing>
-    <p:tnLst>
-      <p:par>
-        <p:cTn id="1" dur="indefinite" restart="never" nodeType="tmRoot"/>
-      </p:par>
-    </p:tnLst>
-  </p:timing>
 </p:sld>
 </file>
 
@@ -8239,20 +8099,12 @@
               </a:lnSpc>
             </a:pPr>
             <a:r>
-              <a:rPr lang="he-IL" sz="4000" b="1" dirty="0" smtClean="0">
-                <a:solidFill>
-                  <a:srgbClr val="002060"/>
-                </a:solidFill>
-              </a:rPr>
-              <a:t>הסבת </a:t>
-            </a:r>
-            <a:r>
               <a:rPr lang="he-IL" sz="4000" b="1" dirty="0">
                 <a:solidFill>
                   <a:srgbClr val="002060"/>
                 </a:solidFill>
               </a:rPr>
-              <a:t>נתוני </a:t>
+              <a:t>הסבת נתוני </a:t>
             </a:r>
             <a:r>
               <a:rPr lang="he-IL" sz="4000" b="1" dirty="0" err="1">
@@ -8268,15 +8120,7 @@
                   <a:srgbClr val="002060"/>
                 </a:solidFill>
               </a:rPr>
-              <a:t> אל מול סכמה </a:t>
-            </a:r>
-            <a:r>
-              <a:rPr lang="he-IL" sz="4000" b="1" dirty="0" smtClean="0">
-                <a:solidFill>
-                  <a:srgbClr val="002060"/>
-                </a:solidFill>
-              </a:rPr>
-              <a:t>עתידית</a:t>
+              <a:t> אל מול סכמה עתידית</a:t>
             </a:r>
           </a:p>
           <a:p>
@@ -8286,18 +8130,13 @@
               </a:lnSpc>
             </a:pPr>
             <a:r>
-              <a:rPr lang="he-IL" sz="4000" b="1" dirty="0" smtClean="0">
+              <a:rPr lang="he-IL" sz="4000" b="1" dirty="0">
                 <a:solidFill>
                   <a:srgbClr val="002060"/>
                 </a:solidFill>
               </a:rPr>
               <a:t>תת"ג בשטח מוסדר</a:t>
             </a:r>
-            <a:endParaRPr lang="he-IL" sz="4000" b="1" dirty="0">
-              <a:solidFill>
-                <a:srgbClr val="002060"/>
-              </a:solidFill>
-            </a:endParaRPr>
           </a:p>
         </p:txBody>
       </p:sp>
@@ -8342,13 +8181,6 @@
     <a:masterClrMapping/>
   </p:clrMapOvr>
   <p:transition/>
-  <p:timing>
-    <p:tnLst>
-      <p:par>
-        <p:cTn id="1" dur="indefinite" restart="never" nodeType="tmRoot"/>
-      </p:par>
-    </p:tnLst>
-  </p:timing>
 </p:sld>
 </file>
 
@@ -8452,7 +8284,7 @@
                     <a:p>
                       <a:pPr algn="r"/>
                       <a:r>
-                        <a:rPr lang="he-IL" dirty="0" smtClean="0"/>
+                        <a:rPr lang="he-IL" dirty="0"/>
                         <a:t>שימוש</a:t>
                       </a:r>
                       <a:endParaRPr lang="en-US" dirty="0"/>
@@ -8467,7 +8299,7 @@
                     <a:p>
                       <a:pPr algn="r"/>
                       <a:r>
-                        <a:rPr lang="he-IL" dirty="0" smtClean="0"/>
+                        <a:rPr lang="he-IL" dirty="0"/>
                         <a:t>כמות</a:t>
                       </a:r>
                       <a:endParaRPr lang="en-US" dirty="0"/>
@@ -8482,7 +8314,7 @@
                     <a:p>
                       <a:pPr algn="r"/>
                       <a:r>
-                        <a:rPr lang="he-IL" dirty="0" smtClean="0"/>
+                        <a:rPr lang="he-IL" dirty="0"/>
                         <a:t>סכמה</a:t>
                       </a:r>
                       <a:endParaRPr lang="en-US" dirty="0"/>
@@ -8512,7 +8344,7 @@
                     <a:p>
                       <a:pPr algn="r"/>
                       <a:r>
-                        <a:rPr lang="he-IL" dirty="0" smtClean="0"/>
+                        <a:rPr lang="he-IL" dirty="0"/>
                         <a:t>שם</a:t>
                       </a:r>
                       <a:endParaRPr lang="en-US" dirty="0"/>
@@ -8527,7 +8359,7 @@
                     <a:p>
                       <a:pPr algn="r"/>
                       <a:r>
-                        <a:rPr lang="he-IL" dirty="0" smtClean="0"/>
+                        <a:rPr lang="he-IL" dirty="0"/>
                         <a:t>סוג</a:t>
                       </a:r>
                       <a:endParaRPr lang="en-US" dirty="0"/>
@@ -8564,7 +8396,7 @@
                         <a:defRPr/>
                       </a:pPr>
                       <a:r>
-                        <a:rPr kumimoji="0" lang="he-IL" sz="1400" b="0" i="0" u="none" strike="noStrike" kern="1200" cap="none" spc="0" normalizeH="0" baseline="0" noProof="0" dirty="0" smtClean="0">
+                        <a:rPr kumimoji="0" lang="he-IL" sz="1400" b="0" i="0" u="none" strike="noStrike" kern="1200" cap="none" spc="0" normalizeH="0" baseline="0" noProof="0" dirty="0">
                           <a:ln>
                             <a:noFill/>
                           </a:ln>
@@ -8620,7 +8452,7 @@
                         <a:defRPr/>
                       </a:pPr>
                       <a:r>
-                        <a:rPr kumimoji="0" lang="he-IL" sz="1400" b="0" i="0" u="none" strike="noStrike" kern="1200" cap="none" spc="0" normalizeH="0" baseline="0" noProof="0" dirty="0" smtClean="0">
+                        <a:rPr kumimoji="0" lang="he-IL" sz="1400" b="0" i="0" u="none" strike="noStrike" kern="1200" cap="none" spc="0" normalizeH="0" baseline="0" noProof="0" dirty="0">
                           <a:ln>
                             <a:noFill/>
                           </a:ln>
@@ -8676,7 +8508,7 @@
                         <a:defRPr/>
                       </a:pPr>
                       <a:r>
-                        <a:rPr kumimoji="0" lang="en-US" sz="1400" b="0" i="0" u="none" strike="noStrike" kern="1200" cap="none" spc="0" normalizeH="0" baseline="0" noProof="0" dirty="0" err="1" smtClean="0">
+                        <a:rPr kumimoji="0" lang="en-US" sz="1400" b="0" i="0" u="none" strike="noStrike" kern="1200" cap="none" spc="0" normalizeH="0" baseline="0" noProof="0" dirty="0" err="1">
                           <a:ln>
                             <a:noFill/>
                           </a:ln>
@@ -8717,7 +8549,7 @@
                     <a:p>
                       <a:pPr algn="r" rtl="1"/>
                       <a:r>
-                        <a:rPr lang="he-IL" sz="1400" dirty="0" smtClean="0">
+                        <a:rPr lang="he-IL" sz="1400" dirty="0">
                           <a:solidFill>
                             <a:schemeClr val="tx1"/>
                           </a:solidFill>
@@ -8740,7 +8572,7 @@
                     <a:p>
                       <a:pPr algn="r" rtl="1"/>
                       <a:r>
-                        <a:rPr lang="en-US" sz="1400" b="0" dirty="0" err="1" smtClean="0">
+                        <a:rPr lang="en-US" sz="1400" b="0" dirty="0" err="1">
                           <a:solidFill>
                             <a:schemeClr val="tx1"/>
                           </a:solidFill>
@@ -8765,7 +8597,7 @@
                     <a:p>
                       <a:pPr algn="r"/>
                       <a:r>
-                        <a:rPr lang="en-US" sz="1400" dirty="0" err="1" smtClean="0">
+                        <a:rPr lang="en-US" sz="1400" dirty="0" err="1">
                           <a:solidFill>
                             <a:schemeClr val="tx1"/>
                           </a:solidFill>
@@ -8811,7 +8643,7 @@
                         <a:defRPr/>
                       </a:pPr>
                       <a:r>
-                        <a:rPr lang="he-IL" sz="1400" b="0" dirty="0" smtClean="0">
+                        <a:rPr lang="he-IL" sz="1400" b="0" dirty="0">
                           <a:solidFill>
                             <a:schemeClr val="tx1"/>
                           </a:solidFill>
@@ -8821,7 +8653,7 @@
                         <a:t>השדות </a:t>
                       </a:r>
                       <a:r>
-                        <a:rPr lang="en-US" sz="1400" b="0" dirty="0" err="1" smtClean="0">
+                        <a:rPr lang="en-US" sz="1400" b="0" dirty="0" err="1">
                           <a:solidFill>
                             <a:schemeClr val="tx1"/>
                           </a:solidFill>
@@ -8831,7 +8663,7 @@
                         <a:t>blockNumber</a:t>
                       </a:r>
                       <a:r>
-                        <a:rPr lang="en-US" sz="1400" b="0" dirty="0" smtClean="0">
+                        <a:rPr lang="en-US" sz="1400" b="0" dirty="0">
                           <a:solidFill>
                             <a:schemeClr val="tx1"/>
                           </a:solidFill>
@@ -8841,7 +8673,7 @@
                         <a:t>, </a:t>
                       </a:r>
                       <a:r>
-                        <a:rPr lang="en-US" sz="1400" b="0" dirty="0" err="1" smtClean="0">
+                        <a:rPr lang="en-US" sz="1400" b="0" dirty="0" err="1">
                           <a:solidFill>
                             <a:schemeClr val="tx1"/>
                           </a:solidFill>
@@ -8851,7 +8683,7 @@
                         <a:t>blockUniqueId</a:t>
                       </a:r>
                       <a:r>
-                        <a:rPr lang="he-IL" sz="1400" b="0" dirty="0" smtClean="0">
+                        <a:rPr lang="he-IL" sz="1400" b="0" dirty="0">
                           <a:solidFill>
                             <a:schemeClr val="tx1"/>
                           </a:solidFill>
@@ -8861,7 +8693,7 @@
                         <a:t> מטבלה זו ישמשו </a:t>
                       </a:r>
                       <a:r>
-                        <a:rPr lang="he-IL" sz="1400" b="0" dirty="0" err="1" smtClean="0">
+                        <a:rPr lang="he-IL" sz="1400" b="0" dirty="0" err="1">
                           <a:solidFill>
                             <a:schemeClr val="tx1"/>
                           </a:solidFill>
@@ -8871,7 +8703,7 @@
                         <a:t>לאיכלוס</a:t>
                       </a:r>
                       <a:r>
-                        <a:rPr lang="he-IL" sz="1400" b="0" dirty="0" smtClean="0">
+                        <a:rPr lang="he-IL" sz="1400" b="0" dirty="0">
                           <a:solidFill>
                             <a:schemeClr val="tx1"/>
                           </a:solidFill>
@@ -8881,7 +8713,7 @@
                         <a:t> שדה </a:t>
                       </a:r>
                       <a:r>
-                        <a:rPr lang="en-US" sz="1400" b="0" dirty="0" err="1" smtClean="0">
+                        <a:rPr lang="en-US" sz="1400" b="0" dirty="0" err="1">
                           <a:solidFill>
                             <a:schemeClr val="tx1"/>
                           </a:solidFill>
@@ -8891,7 +8723,7 @@
                         <a:t>blockUniqueId</a:t>
                       </a:r>
                       <a:r>
-                        <a:rPr lang="he-IL" sz="1400" b="0" dirty="0" smtClean="0">
+                        <a:rPr lang="he-IL" sz="1400" b="0" dirty="0">
                           <a:solidFill>
                             <a:schemeClr val="tx1"/>
                           </a:solidFill>
@@ -8926,7 +8758,7 @@
                         <a:defRPr/>
                       </a:pPr>
                       <a:r>
-                        <a:rPr kumimoji="0" lang="he-IL" sz="1400" b="0" i="0" u="none" strike="noStrike" kern="1200" cap="none" spc="0" normalizeH="0" baseline="0" noProof="0" dirty="0" smtClean="0">
+                        <a:rPr kumimoji="0" lang="he-IL" sz="1400" b="0" i="0" u="none" strike="noStrike" kern="1200" cap="none" spc="0" normalizeH="0" baseline="0" noProof="0" dirty="0">
                           <a:ln>
                             <a:noFill/>
                           </a:ln>
@@ -8982,7 +8814,7 @@
                         <a:defRPr/>
                       </a:pPr>
                       <a:r>
-                        <a:rPr kumimoji="0" lang="he-IL" sz="1400" b="0" i="0" u="none" strike="noStrike" kern="1200" cap="none" spc="0" normalizeH="0" baseline="0" noProof="0" dirty="0" smtClean="0">
+                        <a:rPr kumimoji="0" lang="he-IL" sz="1400" b="0" i="0" u="none" strike="noStrike" kern="1200" cap="none" spc="0" normalizeH="0" baseline="0" noProof="0" dirty="0">
                           <a:ln>
                             <a:noFill/>
                           </a:ln>
@@ -9023,7 +8855,7 @@
                     <a:p>
                       <a:pPr algn="r" rtl="1"/>
                       <a:r>
-                        <a:rPr lang="en-US" sz="1400" dirty="0" err="1" smtClean="0">
+                        <a:rPr lang="en-US" sz="1400" dirty="0" err="1">
                           <a:solidFill>
                             <a:schemeClr val="tx1"/>
                           </a:solidFill>
@@ -9046,7 +8878,7 @@
                     <a:p>
                       <a:pPr algn="r" rtl="1"/>
                       <a:r>
-                        <a:rPr lang="en-US" sz="1400" b="0" dirty="0" smtClean="0">
+                        <a:rPr lang="en-US" sz="1400" b="0" dirty="0">
                           <a:solidFill>
                             <a:schemeClr val="tx1"/>
                           </a:solidFill>
@@ -9054,12 +8886,6 @@
                         </a:rPr>
                         <a:t>20211221_ncdb.gdb</a:t>
                       </a:r>
-                      <a:endParaRPr lang="en-US" sz="1400" b="0" dirty="0">
-                        <a:solidFill>
-                          <a:schemeClr val="tx1"/>
-                        </a:solidFill>
-                        <a:latin typeface="+mn-lt"/>
-                      </a:endParaRPr>
                     </a:p>
                   </a:txBody>
                   <a:tcPr anchor="ctr"/>
@@ -9071,7 +8897,7 @@
                     <a:p>
                       <a:pPr algn="r"/>
                       <a:r>
-                        <a:rPr lang="en-US" sz="1400" dirty="0" err="1" smtClean="0">
+                        <a:rPr lang="en-US" sz="1400" dirty="0" err="1">
                           <a:solidFill>
                             <a:schemeClr val="tx1"/>
                           </a:solidFill>
@@ -9217,7 +9043,7 @@
           <a:p>
             <a:pPr algn="r"/>
             <a:r>
-              <a:rPr lang="he-IL" sz="3600" dirty="0" smtClean="0">
+              <a:rPr lang="he-IL" sz="3600" dirty="0">
                 <a:solidFill>
                   <a:srgbClr val="002060"/>
                 </a:solidFill>
@@ -9226,13 +9052,6 @@
               </a:rPr>
               <a:t>חומר עזר</a:t>
             </a:r>
-            <a:endParaRPr lang="he-IL" sz="3600" dirty="0">
-              <a:solidFill>
-                <a:srgbClr val="002060"/>
-              </a:solidFill>
-              <a:latin typeface="Calibri" panose="020F0502020204030204" pitchFamily="34" charset="0"/>
-              <a:cs typeface="Calibri" panose="020F0502020204030204" pitchFamily="34" charset="0"/>
-            </a:endParaRPr>
           </a:p>
         </p:txBody>
       </p:sp>
@@ -9304,7 +9123,7 @@
                     <a:p>
                       <a:pPr algn="r"/>
                       <a:r>
-                        <a:rPr lang="he-IL" dirty="0" smtClean="0"/>
+                        <a:rPr lang="he-IL" dirty="0"/>
                         <a:t>כמות</a:t>
                       </a:r>
                       <a:endParaRPr lang="en-US" dirty="0"/>
@@ -9334,7 +9153,7 @@
                     <a:p>
                       <a:pPr algn="r"/>
                       <a:r>
-                        <a:rPr lang="he-IL" dirty="0" smtClean="0"/>
+                        <a:rPr lang="he-IL" dirty="0"/>
                         <a:t>שם</a:t>
                       </a:r>
                       <a:endParaRPr lang="en-US" dirty="0"/>
@@ -9349,7 +9168,7 @@
                     <a:p>
                       <a:pPr algn="r"/>
                       <a:r>
-                        <a:rPr lang="he-IL" smtClean="0"/>
+                        <a:rPr lang="he-IL"/>
                         <a:t>סוג</a:t>
                       </a:r>
                       <a:endParaRPr lang="en-US"/>
@@ -9386,7 +9205,7 @@
                         <a:defRPr/>
                       </a:pPr>
                       <a:r>
-                        <a:rPr kumimoji="0" lang="he-IL" sz="1800" u="none" strike="noStrike" kern="1200" cap="none" spc="0" normalizeH="0" baseline="0" noProof="0" dirty="0" smtClean="0">
+                        <a:rPr kumimoji="0" lang="he-IL" sz="1800" u="none" strike="noStrike" kern="1200" cap="none" spc="0" normalizeH="0" baseline="0" noProof="0" dirty="0">
                           <a:ln>
                             <a:noFill/>
                           </a:ln>
@@ -9421,11 +9240,11 @@
                     <a:p>
                       <a:pPr algn="r" rtl="1"/>
                       <a:r>
-                        <a:rPr lang="he-IL" dirty="0" smtClean="0"/>
+                        <a:rPr lang="he-IL" dirty="0"/>
                         <a:t>טבלת</a:t>
                       </a:r>
                       <a:r>
-                        <a:rPr lang="he-IL" baseline="0" dirty="0" smtClean="0"/>
+                        <a:rPr lang="he-IL" baseline="0" dirty="0"/>
                         <a:t> מעקב פנימית של צוות ביקורות תת"ג</a:t>
                       </a:r>
                       <a:endParaRPr lang="en-US" dirty="0"/>
@@ -9440,11 +9259,11 @@
                     <a:p>
                       <a:pPr algn="r" rtl="1"/>
                       <a:r>
-                        <a:rPr lang="he-IL" dirty="0" smtClean="0"/>
+                        <a:rPr lang="he-IL" dirty="0"/>
                         <a:t>טבלת</a:t>
                       </a:r>
                       <a:r>
-                        <a:rPr lang="he-IL" baseline="0" dirty="0" smtClean="0"/>
+                        <a:rPr lang="he-IL" baseline="0" dirty="0"/>
                         <a:t> ניהול תת"ג</a:t>
                       </a:r>
                       <a:endParaRPr lang="en-US" b="0" dirty="0">
@@ -9461,286 +9280,8 @@
                     <a:p>
                       <a:pPr algn="r"/>
                       <a:r>
-                        <a:rPr lang="en-US" dirty="0" err="1" smtClean="0"/>
+                        <a:rPr lang="en-US" dirty="0" err="1"/>
                         <a:t>xlsx</a:t>
-                      </a:r>
-                      <a:endParaRPr lang="en-US" dirty="0"/>
-                    </a:p>
-                  </a:txBody>
-                  <a:tcPr/>
-                </a:tc>
-                <a:extLst>
-                  <a:ext uri="{0D108BD9-81ED-4DB2-BD59-A6C34878D82A}">
-                    <a16:rowId xmlns:a16="http://schemas.microsoft.com/office/drawing/2014/main" val="3968481201"/>
-                  </a:ext>
-                </a:extLst>
-              </a:tr>
-            </a:tbl>
-          </a:graphicData>
-        </a:graphic>
-      </p:graphicFrame>
-      <p:sp>
-        <p:nvSpPr>
-          <p:cNvPr id="13" name="כותרת 1">
-            <a:extLst>
-              <a:ext uri="{FF2B5EF4-FFF2-40B4-BE49-F238E27FC236}">
-                <a16:creationId xmlns:a16="http://schemas.microsoft.com/office/drawing/2014/main" id="{ECC8760F-EA9E-47A2-A93F-1EAD44E763EE}"/>
-              </a:ext>
-            </a:extLst>
-          </p:cNvPr>
-          <p:cNvSpPr txBox="1"/>
-          <p:nvPr/>
-        </p:nvSpPr>
-        <p:spPr>
-          <a:xfrm>
-            <a:off x="6746035" y="4179459"/>
-            <a:ext cx="5148523" cy="622570"/>
-          </a:xfrm>
-          <a:prstGeom prst="rect">
-            <a:avLst/>
-          </a:prstGeom>
-          <a:noFill/>
-          <a:ln>
-            <a:noFill/>
-          </a:ln>
-          <a:effectLst/>
-        </p:spPr>
-        <p:txBody>
-          <a:bodyPr vert="horz" lIns="91440" tIns="45720" rIns="91440" bIns="45720" rtlCol="0" anchor="ctr">
-            <a:noAutofit/>
-          </a:bodyPr>
-          <a:lstStyle>
-            <a:defPPr>
-              <a:defRPr lang="en-US"/>
-            </a:defPPr>
-            <a:lvl1pPr algn="ctr" defTabSz="914400" rtl="1">
-              <a:lnSpc>
-                <a:spcPct val="90000"/>
-              </a:lnSpc>
-              <a:spcBef>
-                <a:spcPct val="0"/>
-              </a:spcBef>
-              <a:buNone/>
-              <a:defRPr sz="4400" b="1">
-                <a:solidFill>
-                  <a:schemeClr val="bg1"/>
-                </a:solidFill>
-                <a:latin typeface="+mj-lt"/>
-                <a:ea typeface="+mj-ea"/>
-              </a:defRPr>
-            </a:lvl1pPr>
-          </a:lstStyle>
-          <a:p>
-            <a:pPr algn="r"/>
-            <a:r>
-              <a:rPr lang="he-IL" sz="3600" dirty="0" smtClean="0">
-                <a:solidFill>
-                  <a:srgbClr val="002060"/>
-                </a:solidFill>
-                <a:latin typeface="Calibri" panose="020F0502020204030204" pitchFamily="34" charset="0"/>
-                <a:cs typeface="Calibri" panose="020F0502020204030204" pitchFamily="34" charset="0"/>
-              </a:rPr>
-              <a:t>ממצאים והערות לפני עיבוד</a:t>
-            </a:r>
-            <a:endParaRPr lang="he-IL" sz="3600" dirty="0">
-              <a:solidFill>
-                <a:srgbClr val="002060"/>
-              </a:solidFill>
-              <a:latin typeface="Calibri" panose="020F0502020204030204" pitchFamily="34" charset="0"/>
-              <a:cs typeface="Calibri" panose="020F0502020204030204" pitchFamily="34" charset="0"/>
-            </a:endParaRPr>
-          </a:p>
-        </p:txBody>
-      </p:sp>
-      <p:graphicFrame>
-        <p:nvGraphicFramePr>
-          <p:cNvPr id="14" name="Table 4">
-            <a:extLst>
-              <a:ext uri="{FF2B5EF4-FFF2-40B4-BE49-F238E27FC236}">
-                <a16:creationId xmlns:a16="http://schemas.microsoft.com/office/drawing/2014/main" id="{46B0A39B-A609-40DD-80FF-A80EB52CC7A9}"/>
-              </a:ext>
-            </a:extLst>
-          </p:cNvPr>
-          <p:cNvGraphicFramePr>
-            <a:graphicFrameLocks/>
-          </p:cNvGraphicFramePr>
-          <p:nvPr>
-            <p:extLst>
-              <p:ext uri="{D42A27DB-BD31-4B8C-83A1-F6EECF244321}">
-                <p14:modId xmlns:p14="http://schemas.microsoft.com/office/powerpoint/2010/main" val="2152233258"/>
-              </p:ext>
-            </p:extLst>
-          </p:nvPr>
-        </p:nvGraphicFramePr>
-        <p:xfrm>
-          <a:off x="4515840" y="4792614"/>
-          <a:ext cx="7285412" cy="736600"/>
-        </p:xfrm>
-        <a:graphic>
-          <a:graphicData uri="http://schemas.openxmlformats.org/drawingml/2006/table">
-            <a:tbl>
-              <a:tblPr firstRow="1" bandRow="1">
-                <a:tableStyleId>{F5AB1C69-6EDB-4FF4-983F-18BD219EF322}</a:tableStyleId>
-              </a:tblPr>
-              <a:tblGrid>
-                <a:gridCol w="1296954">
-                  <a:extLst>
-                    <a:ext uri="{9D8B030D-6E8A-4147-A177-3AD203B41FA5}">
-                      <a16:colId xmlns:a16="http://schemas.microsoft.com/office/drawing/2014/main" val="2392546507"/>
-                    </a:ext>
-                  </a:extLst>
-                </a:gridCol>
-                <a:gridCol w="5337111">
-                  <a:extLst>
-                    <a:ext uri="{9D8B030D-6E8A-4147-A177-3AD203B41FA5}">
-                      <a16:colId xmlns:a16="http://schemas.microsoft.com/office/drawing/2014/main" val="1535150859"/>
-                    </a:ext>
-                  </a:extLst>
-                </a:gridCol>
-                <a:gridCol w="651347">
-                  <a:extLst>
-                    <a:ext uri="{9D8B030D-6E8A-4147-A177-3AD203B41FA5}">
-                      <a16:colId xmlns:a16="http://schemas.microsoft.com/office/drawing/2014/main" val="1848490300"/>
-                    </a:ext>
-                  </a:extLst>
-                </a:gridCol>
-              </a:tblGrid>
-              <a:tr h="300044">
-                <a:tc>
-                  <a:txBody>
-                    <a:bodyPr/>
-                    <a:lstStyle/>
-                    <a:p>
-                      <a:pPr algn="r"/>
-                      <a:r>
-                        <a:rPr lang="he-IL" dirty="0" smtClean="0"/>
-                        <a:t>נתיב</a:t>
-                      </a:r>
-                      <a:endParaRPr lang="en-US" dirty="0"/>
-                    </a:p>
-                  </a:txBody>
-                  <a:tcPr/>
-                </a:tc>
-                <a:tc>
-                  <a:txBody>
-                    <a:bodyPr/>
-                    <a:lstStyle/>
-                    <a:p>
-                      <a:pPr algn="r"/>
-                      <a:r>
-                        <a:rPr lang="he-IL" dirty="0" smtClean="0"/>
-                        <a:t>שם</a:t>
-                      </a:r>
-                      <a:endParaRPr lang="en-US" dirty="0"/>
-                    </a:p>
-                  </a:txBody>
-                  <a:tcPr/>
-                </a:tc>
-                <a:tc>
-                  <a:txBody>
-                    <a:bodyPr/>
-                    <a:lstStyle/>
-                    <a:p>
-                      <a:pPr algn="r"/>
-                      <a:r>
-                        <a:rPr lang="he-IL" smtClean="0"/>
-                        <a:t>סוג</a:t>
-                      </a:r>
-                      <a:endParaRPr lang="en-US"/>
-                    </a:p>
-                  </a:txBody>
-                  <a:tcPr/>
-                </a:tc>
-                <a:extLst>
-                  <a:ext uri="{0D108BD9-81ED-4DB2-BD59-A6C34878D82A}">
-                    <a16:rowId xmlns:a16="http://schemas.microsoft.com/office/drawing/2014/main" val="495850647"/>
-                  </a:ext>
-                </a:extLst>
-              </a:tr>
-              <a:tr h="370840">
-                <a:tc>
-                  <a:txBody>
-                    <a:bodyPr/>
-                    <a:lstStyle/>
-                    <a:p>
-                      <a:pPr marL="0" marR="0" lvl="0" indent="0" algn="r" defTabSz="914400" rtl="1" eaLnBrk="1" fontAlgn="auto" latinLnBrk="0" hangingPunct="1">
-                        <a:lnSpc>
-                          <a:spcPct val="100000"/>
-                        </a:lnSpc>
-                        <a:spcBef>
-                          <a:spcPct val="0"/>
-                        </a:spcBef>
-                        <a:spcAft>
-                          <a:spcPct val="0"/>
-                        </a:spcAft>
-                        <a:buClrTx/>
-                        <a:buSzTx/>
-                        <a:buFontTx/>
-                        <a:buNone/>
-                        <a:defRPr/>
-                      </a:pPr>
-                      <a:r>
-                        <a:rPr kumimoji="0" lang="he-IL" sz="1800" b="0" i="0" u="none" strike="noStrike" kern="1200" cap="none" spc="0" normalizeH="0" baseline="0" noProof="0" dirty="0" smtClean="0">
-                          <a:ln>
-                            <a:noFill/>
-                          </a:ln>
-                          <a:solidFill>
-                            <a:prstClr val="black"/>
-                          </a:solidFill>
-                          <a:effectLst/>
-                          <a:uLnTx/>
-                          <a:uFillTx/>
-                          <a:latin typeface="Calibri"/>
-                          <a:ea typeface="+mn-ea"/>
-                          <a:cs typeface="+mn-cs"/>
-                          <a:hlinkClick r:id="rId2" action="ppaction://hlinkfile"/>
-                        </a:rPr>
-                        <a:t>קישור</a:t>
-                      </a:r>
-                      <a:endParaRPr kumimoji="0" lang="en-US" sz="1800" b="0" i="0" u="none" strike="noStrike" kern="1200" cap="none" spc="0" normalizeH="0" baseline="0" noProof="0" dirty="0">
-                        <a:ln>
-                          <a:noFill/>
-                        </a:ln>
-                        <a:solidFill>
-                          <a:prstClr val="black"/>
-                        </a:solidFill>
-                        <a:effectLst/>
-                        <a:uLnTx/>
-                        <a:uFillTx/>
-                        <a:latin typeface="Calibri"/>
-                        <a:ea typeface="+mn-ea"/>
-                        <a:cs typeface="+mn-cs"/>
-                      </a:endParaRPr>
-                    </a:p>
-                  </a:txBody>
-                  <a:tcPr/>
-                </a:tc>
-                <a:tc>
-                  <a:txBody>
-                    <a:bodyPr/>
-                    <a:lstStyle/>
-                    <a:p>
-                      <a:pPr algn="r" rtl="1"/>
-                      <a:r>
-                        <a:rPr lang="he-IL" dirty="0" smtClean="0"/>
-                        <a:t>כמות ערכים חסרים לפי שדות בשכבה גיאוגרפית</a:t>
-                      </a:r>
-                      <a:endParaRPr lang="en-US" b="0" dirty="0">
-                        <a:latin typeface="+mn-lt"/>
-                      </a:endParaRPr>
-                    </a:p>
-                  </a:txBody>
-                  <a:tcPr/>
-                </a:tc>
-                <a:tc>
-                  <a:txBody>
-                    <a:bodyPr/>
-                    <a:lstStyle/>
-                    <a:p>
-                      <a:pPr algn="r"/>
-                      <a:r>
-                        <a:rPr lang="en-US" dirty="0" smtClean="0"/>
-                        <a:t>csv</a:t>
                       </a:r>
                       <a:endParaRPr lang="en-US" dirty="0"/>
                     </a:p>
@@ -9768,508 +9309,10 @@
     <a:masterClrMapping/>
   </p:clrMapOvr>
   <p:transition/>
-  <p:timing>
-    <p:tnLst>
-      <p:par>
-        <p:cTn id="1" dur="indefinite" restart="never" nodeType="tmRoot"/>
-      </p:par>
-    </p:tnLst>
-  </p:timing>
 </p:sld>
 </file>
 
 <file path=ppt/slides/slide6.xml><?xml version="1.0" encoding="utf-8"?>
-<p:sld xmlns:a="http://schemas.openxmlformats.org/drawingml/2006/main" xmlns:r="http://schemas.openxmlformats.org/officeDocument/2006/relationships" xmlns:p="http://schemas.openxmlformats.org/presentationml/2006/main">
-  <p:cSld>
-    <p:spTree>
-      <p:nvGrpSpPr>
-        <p:cNvPr id="1" name=""/>
-        <p:cNvGrpSpPr/>
-        <p:nvPr/>
-      </p:nvGrpSpPr>
-      <p:grpSpPr>
-        <a:xfrm>
-          <a:off x="0" y="0"/>
-          <a:ext cx="0" cy="0"/>
-          <a:chOff x="0" y="0"/>
-          <a:chExt cx="0" cy="0"/>
-        </a:xfrm>
-      </p:grpSpPr>
-      <p:sp>
-        <p:nvSpPr>
-          <p:cNvPr id="4" name="כותרת 1">
-            <a:extLst>
-              <a:ext uri="{FF2B5EF4-FFF2-40B4-BE49-F238E27FC236}">
-                <a16:creationId xmlns:a16="http://schemas.microsoft.com/office/drawing/2014/main" id="{ECC8760F-EA9E-47A2-A93F-1EAD44E763EE}"/>
-              </a:ext>
-            </a:extLst>
-          </p:cNvPr>
-          <p:cNvSpPr txBox="1"/>
-          <p:nvPr/>
-        </p:nvSpPr>
-        <p:spPr>
-          <a:xfrm>
-            <a:off x="571500" y="247799"/>
-            <a:ext cx="11043138" cy="622570"/>
-          </a:xfrm>
-          <a:prstGeom prst="rect">
-            <a:avLst/>
-          </a:prstGeom>
-          <a:noFill/>
-          <a:ln>
-            <a:noFill/>
-          </a:ln>
-          <a:effectLst/>
-        </p:spPr>
-        <p:txBody>
-          <a:bodyPr vert="horz" lIns="91440" tIns="45720" rIns="91440" bIns="45720" rtlCol="0" anchor="ctr">
-            <a:noAutofit/>
-          </a:bodyPr>
-          <a:lstStyle>
-            <a:defPPr>
-              <a:defRPr lang="en-US"/>
-            </a:defPPr>
-            <a:lvl1pPr algn="ctr" defTabSz="914400" rtl="1">
-              <a:lnSpc>
-                <a:spcPct val="90000"/>
-              </a:lnSpc>
-              <a:spcBef>
-                <a:spcPct val="0"/>
-              </a:spcBef>
-              <a:buNone/>
-              <a:defRPr sz="4400" b="1">
-                <a:solidFill>
-                  <a:schemeClr val="bg1"/>
-                </a:solidFill>
-                <a:latin typeface="+mj-lt"/>
-                <a:ea typeface="+mj-ea"/>
-              </a:defRPr>
-            </a:lvl1pPr>
-          </a:lstStyle>
-          <a:p>
-            <a:pPr algn="r"/>
-            <a:r>
-              <a:rPr lang="he-IL" sz="3600" dirty="0" smtClean="0">
-                <a:solidFill>
-                  <a:srgbClr val="002060"/>
-                </a:solidFill>
-                <a:latin typeface="Calibri" panose="020F0502020204030204" pitchFamily="34" charset="0"/>
-                <a:cs typeface="Calibri" panose="020F0502020204030204" pitchFamily="34" charset="0"/>
-              </a:rPr>
-              <a:t>עיבוד מידע טבלאי לסכמה חדשה</a:t>
-            </a:r>
-            <a:endParaRPr lang="he-IL" sz="3600" dirty="0">
-              <a:solidFill>
-                <a:srgbClr val="002060"/>
-              </a:solidFill>
-              <a:latin typeface="Calibri" panose="020F0502020204030204" pitchFamily="34" charset="0"/>
-              <a:cs typeface="Calibri" panose="020F0502020204030204" pitchFamily="34" charset="0"/>
-            </a:endParaRPr>
-          </a:p>
-        </p:txBody>
-      </p:sp>
-      <p:pic>
-        <p:nvPicPr>
-          <p:cNvPr id="14" name="Picture 13"/>
-          <p:cNvPicPr>
-            <a:picLocks noChangeAspect="1"/>
-          </p:cNvPicPr>
-          <p:nvPr/>
-        </p:nvPicPr>
-        <p:blipFill>
-          <a:blip r:embed="rId2"/>
-          <a:stretch>
-            <a:fillRect/>
-          </a:stretch>
-        </p:blipFill>
-        <p:spPr>
-          <a:xfrm>
-            <a:off x="454389" y="247799"/>
-            <a:ext cx="1861689" cy="1022825"/>
-          </a:xfrm>
-          <a:prstGeom prst="rect">
-            <a:avLst/>
-          </a:prstGeom>
-        </p:spPr>
-      </p:pic>
-      <p:sp>
-        <p:nvSpPr>
-          <p:cNvPr id="3" name="Rectangle 2"/>
-          <p:cNvSpPr/>
-          <p:nvPr/>
-        </p:nvSpPr>
-        <p:spPr>
-          <a:xfrm>
-            <a:off x="10030601" y="701164"/>
-            <a:ext cx="1471878" cy="369332"/>
-          </a:xfrm>
-          <a:prstGeom prst="rect">
-            <a:avLst/>
-          </a:prstGeom>
-        </p:spPr>
-        <p:txBody>
-          <a:bodyPr wrap="none">
-            <a:spAutoFit/>
-          </a:bodyPr>
-          <a:lstStyle/>
-          <a:p>
-            <a:pPr algn="r" rtl="1"/>
-            <a:r>
-              <a:rPr lang="he-IL" i="1" dirty="0" smtClean="0">
-                <a:hlinkClick r:id="rId3" action="ppaction://hlinkfile"/>
-              </a:rPr>
-              <a:t>קיים גם כ-</a:t>
-            </a:r>
-            <a:r>
-              <a:rPr lang="en-US" i="1" dirty="0" smtClean="0">
-                <a:hlinkClick r:id="rId3" action="ppaction://hlinkfile"/>
-              </a:rPr>
-              <a:t>PDF</a:t>
-            </a:r>
-            <a:endParaRPr lang="he-IL" i="1" dirty="0"/>
-          </a:p>
-        </p:txBody>
-      </p:sp>
-      <p:pic>
-        <p:nvPicPr>
-          <p:cNvPr id="5" name="Picture 4"/>
-          <p:cNvPicPr>
-            <a:picLocks noChangeAspect="1"/>
-          </p:cNvPicPr>
-          <p:nvPr/>
-        </p:nvPicPr>
-        <p:blipFill>
-          <a:blip r:embed="rId4"/>
-          <a:stretch>
-            <a:fillRect/>
-          </a:stretch>
-        </p:blipFill>
-        <p:spPr>
-          <a:xfrm>
-            <a:off x="2428237" y="1270624"/>
-            <a:ext cx="7607317" cy="5092854"/>
-          </a:xfrm>
-          <a:prstGeom prst="rect">
-            <a:avLst/>
-          </a:prstGeom>
-        </p:spPr>
-      </p:pic>
-    </p:spTree>
-    <p:extLst>
-      <p:ext uri="{BB962C8B-B14F-4D97-AF65-F5344CB8AC3E}">
-        <p14:creationId xmlns:p14="http://schemas.microsoft.com/office/powerpoint/2010/main" val="3276741729"/>
-      </p:ext>
-    </p:extLst>
-  </p:cSld>
-  <p:clrMapOvr>
-    <a:masterClrMapping/>
-  </p:clrMapOvr>
-  <p:transition/>
-  <p:timing>
-    <p:tnLst>
-      <p:par>
-        <p:cTn id="1" dur="indefinite" restart="never" nodeType="tmRoot"/>
-      </p:par>
-    </p:tnLst>
-  </p:timing>
-</p:sld>
-</file>
-
-<file path=ppt/slides/slide7.xml><?xml version="1.0" encoding="utf-8"?>
-<p:sld xmlns:a="http://schemas.openxmlformats.org/drawingml/2006/main" xmlns:r="http://schemas.openxmlformats.org/officeDocument/2006/relationships" xmlns:p="http://schemas.openxmlformats.org/presentationml/2006/main">
-  <p:cSld>
-    <p:spTree>
-      <p:nvGrpSpPr>
-        <p:cNvPr id="1" name=""/>
-        <p:cNvGrpSpPr/>
-        <p:nvPr/>
-      </p:nvGrpSpPr>
-      <p:grpSpPr>
-        <a:xfrm>
-          <a:off x="0" y="0"/>
-          <a:ext cx="0" cy="0"/>
-          <a:chOff x="0" y="0"/>
-          <a:chExt cx="0" cy="0"/>
-        </a:xfrm>
-      </p:grpSpPr>
-      <p:sp>
-        <p:nvSpPr>
-          <p:cNvPr id="6" name="כותרת 1">
-            <a:extLst>
-              <a:ext uri="{FF2B5EF4-FFF2-40B4-BE49-F238E27FC236}">
-                <a16:creationId xmlns:a16="http://schemas.microsoft.com/office/drawing/2014/main" id="{ECC8760F-EA9E-47A2-A93F-1EAD44E763EE}"/>
-              </a:ext>
-            </a:extLst>
-          </p:cNvPr>
-          <p:cNvSpPr txBox="1"/>
-          <p:nvPr/>
-        </p:nvSpPr>
-        <p:spPr>
-          <a:xfrm>
-            <a:off x="571500" y="247799"/>
-            <a:ext cx="11043138" cy="622570"/>
-          </a:xfrm>
-          <a:prstGeom prst="rect">
-            <a:avLst/>
-          </a:prstGeom>
-          <a:noFill/>
-          <a:ln>
-            <a:noFill/>
-          </a:ln>
-          <a:effectLst/>
-        </p:spPr>
-        <p:txBody>
-          <a:bodyPr vert="horz" lIns="91440" tIns="45720" rIns="91440" bIns="45720" rtlCol="0" anchor="ctr">
-            <a:noAutofit/>
-          </a:bodyPr>
-          <a:lstStyle>
-            <a:defPPr>
-              <a:defRPr lang="en-US"/>
-            </a:defPPr>
-            <a:lvl1pPr algn="ctr" defTabSz="914400" rtl="1">
-              <a:lnSpc>
-                <a:spcPct val="90000"/>
-              </a:lnSpc>
-              <a:spcBef>
-                <a:spcPct val="0"/>
-              </a:spcBef>
-              <a:buNone/>
-              <a:defRPr sz="4400" b="1">
-                <a:solidFill>
-                  <a:schemeClr val="bg1"/>
-                </a:solidFill>
-                <a:latin typeface="+mj-lt"/>
-                <a:ea typeface="+mj-ea"/>
-              </a:defRPr>
-            </a:lvl1pPr>
-          </a:lstStyle>
-          <a:p>
-            <a:pPr algn="r"/>
-            <a:r>
-              <a:rPr lang="he-IL" sz="3600" dirty="0" smtClean="0">
-                <a:solidFill>
-                  <a:srgbClr val="002060"/>
-                </a:solidFill>
-                <a:latin typeface="Calibri" panose="020F0502020204030204" pitchFamily="34" charset="0"/>
-                <a:cs typeface="Calibri" panose="020F0502020204030204" pitchFamily="34" charset="0"/>
-              </a:rPr>
-              <a:t>עיבוד מידע טבלאי לסכמה חדשה-המשך</a:t>
-            </a:r>
-            <a:endParaRPr lang="he-IL" sz="3600" dirty="0">
-              <a:solidFill>
-                <a:srgbClr val="002060"/>
-              </a:solidFill>
-              <a:latin typeface="Calibri" panose="020F0502020204030204" pitchFamily="34" charset="0"/>
-              <a:cs typeface="Calibri" panose="020F0502020204030204" pitchFamily="34" charset="0"/>
-            </a:endParaRPr>
-          </a:p>
-        </p:txBody>
-      </p:sp>
-      <p:pic>
-        <p:nvPicPr>
-          <p:cNvPr id="3" name="Picture 2"/>
-          <p:cNvPicPr>
-            <a:picLocks noChangeAspect="1"/>
-          </p:cNvPicPr>
-          <p:nvPr/>
-        </p:nvPicPr>
-        <p:blipFill>
-          <a:blip r:embed="rId2"/>
-          <a:stretch>
-            <a:fillRect/>
-          </a:stretch>
-        </p:blipFill>
-        <p:spPr>
-          <a:xfrm>
-            <a:off x="659751" y="955901"/>
-            <a:ext cx="11119083" cy="4763764"/>
-          </a:xfrm>
-          <a:prstGeom prst="rect">
-            <a:avLst/>
-          </a:prstGeom>
-        </p:spPr>
-      </p:pic>
-    </p:spTree>
-    <p:extLst>
-      <p:ext uri="{BB962C8B-B14F-4D97-AF65-F5344CB8AC3E}">
-        <p14:creationId xmlns:p14="http://schemas.microsoft.com/office/powerpoint/2010/main" val="767070806"/>
-      </p:ext>
-    </p:extLst>
-  </p:cSld>
-  <p:clrMapOvr>
-    <a:masterClrMapping/>
-  </p:clrMapOvr>
-  <p:transition/>
-  <p:timing>
-    <p:tnLst>
-      <p:par>
-        <p:cTn id="1" dur="indefinite" restart="never" nodeType="tmRoot"/>
-      </p:par>
-    </p:tnLst>
-  </p:timing>
-</p:sld>
-</file>
-
-<file path=ppt/slides/slide8.xml><?xml version="1.0" encoding="utf-8"?>
-<p:sld xmlns:a="http://schemas.openxmlformats.org/drawingml/2006/main" xmlns:r="http://schemas.openxmlformats.org/officeDocument/2006/relationships" xmlns:p="http://schemas.openxmlformats.org/presentationml/2006/main">
-  <p:cSld>
-    <p:spTree>
-      <p:nvGrpSpPr>
-        <p:cNvPr id="1" name=""/>
-        <p:cNvGrpSpPr/>
-        <p:nvPr/>
-      </p:nvGrpSpPr>
-      <p:grpSpPr>
-        <a:xfrm>
-          <a:off x="0" y="0"/>
-          <a:ext cx="0" cy="0"/>
-          <a:chOff x="0" y="0"/>
-          <a:chExt cx="0" cy="0"/>
-        </a:xfrm>
-      </p:grpSpPr>
-      <p:pic>
-        <p:nvPicPr>
-          <p:cNvPr id="3" name="Picture 2"/>
-          <p:cNvPicPr>
-            <a:picLocks noChangeAspect="1"/>
-          </p:cNvPicPr>
-          <p:nvPr/>
-        </p:nvPicPr>
-        <p:blipFill>
-          <a:blip r:embed="rId2"/>
-          <a:stretch>
-            <a:fillRect/>
-          </a:stretch>
-        </p:blipFill>
-        <p:spPr>
-          <a:xfrm>
-            <a:off x="414340" y="5386655"/>
-            <a:ext cx="8595632" cy="903938"/>
-          </a:xfrm>
-          <a:prstGeom prst="rect">
-            <a:avLst/>
-          </a:prstGeom>
-        </p:spPr>
-      </p:pic>
-      <p:sp>
-        <p:nvSpPr>
-          <p:cNvPr id="5" name="כותרת 1">
-            <a:extLst>
-              <a:ext uri="{FF2B5EF4-FFF2-40B4-BE49-F238E27FC236}">
-                <a16:creationId xmlns:a16="http://schemas.microsoft.com/office/drawing/2014/main" id="{ECC8760F-EA9E-47A2-A93F-1EAD44E763EE}"/>
-              </a:ext>
-            </a:extLst>
-          </p:cNvPr>
-          <p:cNvSpPr txBox="1"/>
-          <p:nvPr/>
-        </p:nvSpPr>
-        <p:spPr>
-          <a:xfrm>
-            <a:off x="571500" y="204257"/>
-            <a:ext cx="11043138" cy="622570"/>
-          </a:xfrm>
-          <a:prstGeom prst="rect">
-            <a:avLst/>
-          </a:prstGeom>
-          <a:noFill/>
-          <a:ln>
-            <a:noFill/>
-          </a:ln>
-          <a:effectLst/>
-        </p:spPr>
-        <p:txBody>
-          <a:bodyPr vert="horz" lIns="91440" tIns="45720" rIns="91440" bIns="45720" rtlCol="0" anchor="ctr">
-            <a:noAutofit/>
-          </a:bodyPr>
-          <a:lstStyle>
-            <a:defPPr>
-              <a:defRPr lang="en-US"/>
-            </a:defPPr>
-            <a:lvl1pPr algn="ctr" defTabSz="914400" rtl="1">
-              <a:lnSpc>
-                <a:spcPct val="90000"/>
-              </a:lnSpc>
-              <a:spcBef>
-                <a:spcPct val="0"/>
-              </a:spcBef>
-              <a:buNone/>
-              <a:defRPr sz="4400" b="1">
-                <a:solidFill>
-                  <a:schemeClr val="bg1"/>
-                </a:solidFill>
-                <a:latin typeface="+mj-lt"/>
-                <a:ea typeface="+mj-ea"/>
-              </a:defRPr>
-            </a:lvl1pPr>
-          </a:lstStyle>
-          <a:p>
-            <a:pPr algn="r"/>
-            <a:r>
-              <a:rPr lang="he-IL" sz="3600" dirty="0" smtClean="0">
-                <a:solidFill>
-                  <a:srgbClr val="002060"/>
-                </a:solidFill>
-                <a:latin typeface="Calibri" panose="020F0502020204030204" pitchFamily="34" charset="0"/>
-                <a:cs typeface="Calibri" panose="020F0502020204030204" pitchFamily="34" charset="0"/>
-              </a:rPr>
-              <a:t>עיבוד מידע טבלאי לסכמה חדשה-המשך</a:t>
-            </a:r>
-            <a:endParaRPr lang="he-IL" sz="3600" dirty="0">
-              <a:solidFill>
-                <a:srgbClr val="002060"/>
-              </a:solidFill>
-              <a:latin typeface="Calibri" panose="020F0502020204030204" pitchFamily="34" charset="0"/>
-              <a:cs typeface="Calibri" panose="020F0502020204030204" pitchFamily="34" charset="0"/>
-            </a:endParaRPr>
-          </a:p>
-        </p:txBody>
-      </p:sp>
-      <p:pic>
-        <p:nvPicPr>
-          <p:cNvPr id="4" name="Picture 3"/>
-          <p:cNvPicPr>
-            <a:picLocks noChangeAspect="1"/>
-          </p:cNvPicPr>
-          <p:nvPr/>
-        </p:nvPicPr>
-        <p:blipFill>
-          <a:blip r:embed="rId3"/>
-          <a:stretch>
-            <a:fillRect/>
-          </a:stretch>
-        </p:blipFill>
-        <p:spPr>
-          <a:xfrm>
-            <a:off x="678462" y="1051442"/>
-            <a:ext cx="10936176" cy="4043071"/>
-          </a:xfrm>
-          <a:prstGeom prst="rect">
-            <a:avLst/>
-          </a:prstGeom>
-        </p:spPr>
-      </p:pic>
-    </p:spTree>
-    <p:extLst>
-      <p:ext uri="{BB962C8B-B14F-4D97-AF65-F5344CB8AC3E}">
-        <p14:creationId xmlns:p14="http://schemas.microsoft.com/office/powerpoint/2010/main" val="2267939085"/>
-      </p:ext>
-    </p:extLst>
-  </p:cSld>
-  <p:clrMapOvr>
-    <a:masterClrMapping/>
-  </p:clrMapOvr>
-  <p:transition/>
-  <p:timing>
-    <p:tnLst>
-      <p:par>
-        <p:cTn id="1" dur="indefinite" restart="never" nodeType="tmRoot"/>
-      </p:par>
-    </p:tnLst>
-  </p:timing>
-</p:sld>
-</file>
-
-<file path=ppt/slides/slide9.xml><?xml version="1.0" encoding="utf-8"?>
 <p:sld xmlns:a="http://schemas.openxmlformats.org/drawingml/2006/main" xmlns:r="http://schemas.openxmlformats.org/officeDocument/2006/relationships" xmlns:p="http://schemas.openxmlformats.org/presentationml/2006/main">
   <p:cSld>
     <p:spTree>
@@ -10362,7 +9405,7 @@
                     <a:p>
                       <a:pPr algn="r"/>
                       <a:r>
-                        <a:rPr lang="he-IL" sz="2000" dirty="0" smtClean="0"/>
+                        <a:rPr lang="he-IL" sz="2000" dirty="0"/>
                         <a:t>כמות</a:t>
                       </a:r>
                       <a:endParaRPr lang="en-US" sz="2000" dirty="0"/>
@@ -10377,7 +9420,7 @@
                     <a:p>
                       <a:pPr algn="r"/>
                       <a:r>
-                        <a:rPr lang="he-IL" sz="2000" dirty="0" smtClean="0"/>
+                        <a:rPr lang="he-IL" sz="2000" dirty="0"/>
                         <a:t>סכמה</a:t>
                       </a:r>
                       <a:endParaRPr lang="en-US" sz="2000" dirty="0"/>
@@ -10407,7 +9450,7 @@
                     <a:p>
                       <a:pPr algn="r"/>
                       <a:r>
-                        <a:rPr lang="he-IL" sz="2000" dirty="0" smtClean="0"/>
+                        <a:rPr lang="he-IL" sz="2000" dirty="0"/>
                         <a:t>שם</a:t>
                       </a:r>
                       <a:endParaRPr lang="en-US" sz="2000" dirty="0"/>
@@ -10422,7 +9465,7 @@
                     <a:p>
                       <a:pPr algn="r"/>
                       <a:r>
-                        <a:rPr lang="he-IL" sz="2000" dirty="0" smtClean="0"/>
+                        <a:rPr lang="he-IL" sz="2000" dirty="0"/>
                         <a:t>סוג</a:t>
                       </a:r>
                       <a:endParaRPr lang="en-US" sz="2000" dirty="0"/>
@@ -10459,7 +9502,7 @@
                         <a:defRPr/>
                       </a:pPr>
                       <a:r>
-                        <a:rPr kumimoji="0" lang="he-IL" sz="1600" b="0" i="0" u="none" strike="noStrike" kern="1200" cap="none" spc="0" normalizeH="0" baseline="0" noProof="0" dirty="0" smtClean="0">
+                        <a:rPr kumimoji="0" lang="he-IL" sz="1600" b="0" i="0" u="none" strike="noStrike" kern="1200" cap="none" spc="0" normalizeH="0" baseline="0" noProof="0" dirty="0">
                           <a:ln>
                             <a:noFill/>
                           </a:ln>
@@ -10515,7 +9558,7 @@
                         <a:defRPr/>
                       </a:pPr>
                       <a:r>
-                        <a:rPr kumimoji="0" lang="en-US" sz="1600" b="0" i="0" u="none" strike="noStrike" kern="1200" cap="none" spc="0" normalizeH="0" baseline="0" noProof="0" dirty="0" err="1" smtClean="0">
+                        <a:rPr kumimoji="0" lang="en-US" sz="1600" b="0" i="0" u="none" strike="noStrike" kern="1200" cap="none" spc="0" normalizeH="0" baseline="0" noProof="0" dirty="0" err="1">
                           <a:ln>
                             <a:noFill/>
                           </a:ln>
@@ -10556,7 +9599,7 @@
                     <a:p>
                       <a:pPr algn="r" rtl="1"/>
                       <a:r>
-                        <a:rPr lang="he-IL" sz="1600" dirty="0" smtClean="0">
+                        <a:rPr lang="he-IL" sz="1600" dirty="0">
                           <a:solidFill>
                             <a:schemeClr val="tx1"/>
                           </a:solidFill>
@@ -10579,7 +9622,7 @@
                     <a:p>
                       <a:pPr algn="r" rtl="1"/>
                       <a:r>
-                        <a:rPr lang="en-US" sz="1600" b="0" dirty="0" err="1" smtClean="0">
+                        <a:rPr lang="en-US" sz="1600" b="0" dirty="0" err="1">
                           <a:solidFill>
                             <a:schemeClr val="tx1"/>
                           </a:solidFill>
@@ -10604,7 +9647,7 @@
                     <a:p>
                       <a:pPr algn="r"/>
                       <a:r>
-                        <a:rPr lang="en-US" sz="1600" dirty="0" err="1" smtClean="0">
+                        <a:rPr lang="en-US" sz="1600" dirty="0" err="1">
                           <a:solidFill>
                             <a:schemeClr val="tx1"/>
                           </a:solidFill>
@@ -10649,7 +9692,7 @@
                         <a:defRPr/>
                       </a:pPr>
                       <a:r>
-                        <a:rPr kumimoji="0" lang="he-IL" sz="1600" b="0" i="0" u="none" strike="noStrike" kern="1200" cap="none" spc="0" normalizeH="0" baseline="0" noProof="0" dirty="0" smtClean="0">
+                        <a:rPr kumimoji="0" lang="he-IL" sz="1600" b="0" i="0" u="none" strike="noStrike" kern="1200" cap="none" spc="0" normalizeH="0" baseline="0" noProof="0" dirty="0">
                           <a:ln>
                             <a:noFill/>
                           </a:ln>
@@ -10705,7 +9748,7 @@
                         <a:defRPr/>
                       </a:pPr>
                       <a:r>
-                        <a:rPr kumimoji="0" lang="he-IL" sz="1600" b="0" i="0" u="none" strike="noStrike" kern="1200" cap="none" spc="0" normalizeH="0" baseline="0" noProof="0" dirty="0" smtClean="0">
+                        <a:rPr kumimoji="0" lang="he-IL" sz="1600" b="0" i="0" u="none" strike="noStrike" kern="1200" cap="none" spc="0" normalizeH="0" baseline="0" noProof="0" dirty="0">
                           <a:ln>
                             <a:noFill/>
                           </a:ln>
@@ -10746,7 +9789,7 @@
                     <a:p>
                       <a:pPr algn="r" rtl="1"/>
                       <a:r>
-                        <a:rPr lang="he-IL" sz="1600" dirty="0" smtClean="0">
+                        <a:rPr lang="he-IL" sz="1600" dirty="0">
                           <a:solidFill>
                             <a:schemeClr val="tx1"/>
                           </a:solidFill>
@@ -10754,7 +9797,7 @@
                         <a:t>טבלת</a:t>
                       </a:r>
                       <a:r>
-                        <a:rPr lang="he-IL" sz="1600" baseline="0" dirty="0" smtClean="0">
+                        <a:rPr lang="he-IL" sz="1600" baseline="0" dirty="0">
                           <a:solidFill>
                             <a:schemeClr val="tx1"/>
                           </a:solidFill>
@@ -10777,7 +9820,7 @@
                     <a:p>
                       <a:pPr algn="r" rtl="1"/>
                       <a:r>
-                        <a:rPr lang="en-US" sz="1600" b="0" dirty="0" err="1" smtClean="0">
+                        <a:rPr lang="en-US" sz="1600" b="0" dirty="0" err="1">
                           <a:solidFill>
                             <a:schemeClr val="tx1"/>
                           </a:solidFill>
@@ -10803,18 +9846,13 @@
                     <a:p>
                       <a:pPr algn="r"/>
                       <a:r>
-                        <a:rPr lang="en-US" sz="1600" dirty="0" smtClean="0">
+                        <a:rPr lang="en-US" sz="1600" dirty="0">
                           <a:solidFill>
                             <a:schemeClr val="tx1"/>
                           </a:solidFill>
                         </a:rPr>
                         <a:t>table</a:t>
                       </a:r>
-                      <a:endParaRPr lang="en-US" sz="1600" dirty="0">
-                        <a:solidFill>
-                          <a:schemeClr val="tx1"/>
-                        </a:solidFill>
-                      </a:endParaRPr>
                     </a:p>
                   </a:txBody>
                   <a:tcPr anchor="ctr"/>
@@ -10883,7 +9921,7 @@
           <a:p>
             <a:pPr algn="r"/>
             <a:r>
-              <a:rPr lang="he-IL" sz="3600" dirty="0" smtClean="0">
+              <a:rPr lang="he-IL" sz="3600" dirty="0">
                 <a:solidFill>
                   <a:srgbClr val="002060"/>
                 </a:solidFill>
@@ -10892,13 +9930,6 @@
               </a:rPr>
               <a:t>בדיקת כמויות</a:t>
             </a:r>
-            <a:endParaRPr lang="he-IL" sz="3600" dirty="0">
-              <a:solidFill>
-                <a:srgbClr val="002060"/>
-              </a:solidFill>
-              <a:latin typeface="Calibri" panose="020F0502020204030204" pitchFamily="34" charset="0"/>
-              <a:cs typeface="Calibri" panose="020F0502020204030204" pitchFamily="34" charset="0"/>
-            </a:endParaRPr>
           </a:p>
         </p:txBody>
       </p:sp>
@@ -10925,11 +9956,11 @@
           <a:p>
             <a:pPr algn="r" rtl="1"/>
             <a:r>
-              <a:rPr lang="he-IL" sz="1400" i="1" dirty="0" smtClean="0"/>
+              <a:rPr lang="he-IL" sz="1400" i="1" dirty="0"/>
               <a:t>רק תת"ג אחד הוסר לאחר אישור צוות ביקורת תת"ג. </a:t>
             </a:r>
             <a:r>
-              <a:rPr lang="he-IL" sz="1400" i="1" dirty="0" smtClean="0">
+              <a:rPr lang="he-IL" sz="1400" i="1" dirty="0">
                 <a:hlinkClick r:id="rId3" action="ppaction://hlinkfile"/>
               </a:rPr>
               <a:t>פרטים נוספים</a:t>
@@ -10949,13 +9980,6 @@
     <a:masterClrMapping/>
   </p:clrMapOvr>
   <p:transition/>
-  <p:timing>
-    <p:tnLst>
-      <p:par>
-        <p:cTn id="1" dur="indefinite" restart="never" nodeType="tmRoot"/>
-      </p:par>
-    </p:tnLst>
-  </p:timing>
 </p:sld>
 </file>
 
